--- a/Documents/JuliaCon 2019 Presentation.pptx
+++ b/Documents/JuliaCon 2019 Presentation.pptx
@@ -112,6 +112,11 @@
       </a:defRPr>
     </a:lvl9pPr>
   </p:defaultTextStyle>
+  <p:extLst>
+    <p:ext uri="{EFAFB233-063F-42B5-8137-9DF3F51BA10A}">
+      <p15:sldGuideLst xmlns:p15="http://schemas.microsoft.com/office/powerpoint/2012/main"/>
+    </p:ext>
+  </p:extLst>
 </p:presentation>
 </file>
 
@@ -301,7 +306,7 @@
           <a:p>
             <a:fld id="{4AAD347D-5ACD-4C99-B74B-A9C85AD731AF}" type="datetimeFigureOut">
               <a:rPr lang="en-US" dirty="0"/>
-              <a:t>7/1/2019</a:t>
+              <a:t>7/5/2019</a:t>
             </a:fld>
             <a:endParaRPr lang="en-US" dirty="0"/>
           </a:p>
@@ -571,7 +576,7 @@
           <a:p>
             <a:fld id="{4509A250-FF31-4206-8172-F9D3106AACB1}" type="datetimeFigureOut">
               <a:rPr lang="en-US" dirty="0"/>
-              <a:t>7/1/2019</a:t>
+              <a:t>7/5/2019</a:t>
             </a:fld>
             <a:endParaRPr lang="en-US" dirty="0"/>
           </a:p>
@@ -760,7 +765,7 @@
           <a:p>
             <a:fld id="{4509A250-FF31-4206-8172-F9D3106AACB1}" type="datetimeFigureOut">
               <a:rPr lang="en-US" dirty="0"/>
-              <a:t>7/1/2019</a:t>
+              <a:t>7/5/2019</a:t>
             </a:fld>
             <a:endParaRPr lang="en-US" dirty="0"/>
           </a:p>
@@ -1028,7 +1033,7 @@
           <a:p>
             <a:fld id="{4509A250-FF31-4206-8172-F9D3106AACB1}" type="datetimeFigureOut">
               <a:rPr lang="en-US" dirty="0"/>
-              <a:t>7/1/2019</a:t>
+              <a:t>7/5/2019</a:t>
             </a:fld>
             <a:endParaRPr lang="en-US" dirty="0"/>
           </a:p>
@@ -1364,7 +1369,7 @@
           <a:p>
             <a:fld id="{4509A250-FF31-4206-8172-F9D3106AACB1}" type="datetimeFigureOut">
               <a:rPr lang="en-US" dirty="0"/>
-              <a:t>7/1/2019</a:t>
+              <a:t>7/5/2019</a:t>
             </a:fld>
             <a:endParaRPr lang="en-US" dirty="0"/>
           </a:p>
@@ -1982,7 +1987,7 @@
           <a:p>
             <a:fld id="{4509A250-FF31-4206-8172-F9D3106AACB1}" type="datetimeFigureOut">
               <a:rPr lang="en-US" dirty="0"/>
-              <a:t>7/1/2019</a:t>
+              <a:t>7/5/2019</a:t>
             </a:fld>
             <a:endParaRPr lang="en-US" dirty="0"/>
           </a:p>
@@ -2837,7 +2842,7 @@
           <a:p>
             <a:fld id="{4509A250-FF31-4206-8172-F9D3106AACB1}" type="datetimeFigureOut">
               <a:rPr lang="en-US" dirty="0"/>
-              <a:t>7/1/2019</a:t>
+              <a:t>7/5/2019</a:t>
             </a:fld>
             <a:endParaRPr lang="en-US" dirty="0"/>
           </a:p>
@@ -3002,7 +3007,7 @@
           <a:p>
             <a:fld id="{4509A250-FF31-4206-8172-F9D3106AACB1}" type="datetimeFigureOut">
               <a:rPr lang="en-US" dirty="0"/>
-              <a:t>7/1/2019</a:t>
+              <a:t>7/5/2019</a:t>
             </a:fld>
             <a:endParaRPr lang="en-US" dirty="0"/>
           </a:p>
@@ -3177,7 +3182,7 @@
           <a:p>
             <a:fld id="{4509A250-FF31-4206-8172-F9D3106AACB1}" type="datetimeFigureOut">
               <a:rPr lang="en-US" dirty="0"/>
-              <a:t>7/1/2019</a:t>
+              <a:t>7/5/2019</a:t>
             </a:fld>
             <a:endParaRPr lang="en-US" dirty="0"/>
           </a:p>
@@ -3342,7 +3347,7 @@
           <a:p>
             <a:fld id="{4509A250-FF31-4206-8172-F9D3106AACB1}" type="datetimeFigureOut">
               <a:rPr lang="en-US" dirty="0"/>
-              <a:t>7/1/2019</a:t>
+              <a:t>7/5/2019</a:t>
             </a:fld>
             <a:endParaRPr lang="en-US" dirty="0"/>
           </a:p>
@@ -3584,7 +3589,7 @@
           <a:p>
             <a:fld id="{9796027F-7875-4030-9381-8BD8C4F21935}" type="datetimeFigureOut">
               <a:rPr lang="en-US" dirty="0"/>
-              <a:t>7/1/2019</a:t>
+              <a:t>7/5/2019</a:t>
             </a:fld>
             <a:endParaRPr lang="en-US" dirty="0"/>
           </a:p>
@@ -3871,7 +3876,7 @@
           <a:p>
             <a:fld id="{9796027F-7875-4030-9381-8BD8C4F21935}" type="datetimeFigureOut">
               <a:rPr lang="en-US" dirty="0"/>
-              <a:t>7/1/2019</a:t>
+              <a:t>7/5/2019</a:t>
             </a:fld>
             <a:endParaRPr lang="en-US" dirty="0"/>
           </a:p>
@@ -4310,7 +4315,7 @@
           <a:p>
             <a:fld id="{9796027F-7875-4030-9381-8BD8C4F21935}" type="datetimeFigureOut">
               <a:rPr lang="en-US" dirty="0"/>
-              <a:t>7/1/2019</a:t>
+              <a:t>7/5/2019</a:t>
             </a:fld>
             <a:endParaRPr lang="en-US" dirty="0"/>
           </a:p>
@@ -4423,7 +4428,7 @@
           <a:p>
             <a:fld id="{4509A250-FF31-4206-8172-F9D3106AACB1}" type="datetimeFigureOut">
               <a:rPr lang="en-US" dirty="0"/>
-              <a:t>7/1/2019</a:t>
+              <a:t>7/5/2019</a:t>
             </a:fld>
             <a:endParaRPr lang="en-US" dirty="0"/>
           </a:p>
@@ -4513,7 +4518,7 @@
           <a:p>
             <a:fld id="{4509A250-FF31-4206-8172-F9D3106AACB1}" type="datetimeFigureOut">
               <a:rPr lang="en-US" dirty="0"/>
-              <a:t>7/1/2019</a:t>
+              <a:t>7/5/2019</a:t>
             </a:fld>
             <a:endParaRPr lang="en-US" dirty="0"/>
           </a:p>
@@ -4787,7 +4792,7 @@
           <a:p>
             <a:fld id="{4509A250-FF31-4206-8172-F9D3106AACB1}" type="datetimeFigureOut">
               <a:rPr lang="en-US" dirty="0"/>
-              <a:t>7/1/2019</a:t>
+              <a:t>7/5/2019</a:t>
             </a:fld>
             <a:endParaRPr lang="en-US" dirty="0"/>
           </a:p>
@@ -5057,7 +5062,7 @@
           <a:p>
             <a:fld id="{4509A250-FF31-4206-8172-F9D3106AACB1}" type="datetimeFigureOut">
               <a:rPr lang="en-US" dirty="0"/>
-              <a:t>7/1/2019</a:t>
+              <a:t>7/5/2019</a:t>
             </a:fld>
             <a:endParaRPr lang="en-US" dirty="0"/>
           </a:p>
@@ -5481,7 +5486,7 @@
           <a:p>
             <a:fld id="{4AAD347D-5ACD-4C99-B74B-A9C85AD731AF}" type="datetimeFigureOut">
               <a:rPr lang="en-US" dirty="0"/>
-              <a:t>7/1/2019</a:t>
+              <a:t>7/5/2019</a:t>
             </a:fld>
             <a:endParaRPr lang="en-US" dirty="0"/>
           </a:p>
@@ -6804,6 +6809,18 @@
               <a:t>Most C code tests implemented using Julia test facility</a:t>
             </a:r>
           </a:p>
+          <a:p>
+            <a:pPr lvl="1"/>
+            <a:r>
+              <a:rPr lang="en-US" dirty="0"/>
+              <a:t>Implemented in v0.6, then upgraded using v0.7 to </a:t>
+            </a:r>
+            <a:r>
+              <a:rPr lang="en-US"/>
+              <a:t>ease upgrade to 1.0</a:t>
+            </a:r>
+            <a:endParaRPr lang="en-US" dirty="0"/>
+          </a:p>
         </p:txBody>
       </p:sp>
     </p:spTree>
@@ -6973,13 +6990,19 @@
           <a:p>
             <a:r>
               <a:rPr lang="en-US" dirty="0"/>
-              <a:t>Additional datetime arithmetic – e.g., addition of intervals to datetimes</a:t>
+              <a:t>Additional datetime arithmetic – e.g., addition of calendar unit intervals to datetimes, e.g., years, months, days, hours, minutes, etc.</a:t>
             </a:r>
           </a:p>
           <a:p>
             <a:r>
               <a:rPr lang="en-US" dirty="0"/>
               <a:t>“Business” datetime arithmetic – e.g., holiday schedules, end of month conventions, leap-year conventions</a:t>
+            </a:r>
+          </a:p>
+          <a:p>
+            <a:r>
+              <a:rPr lang="en-US" dirty="0"/>
+              <a:t>Local datetime ranges in calendar units</a:t>
             </a:r>
           </a:p>
           <a:p>

--- a/Documents/JuliaCon 2019 Presentation.pptx
+++ b/Documents/JuliaCon 2019 Presentation.pptx
@@ -10,10 +10,11 @@
     <p:sldId id="258" r:id="rId4"/>
     <p:sldId id="259" r:id="rId5"/>
     <p:sldId id="262" r:id="rId6"/>
-    <p:sldId id="263" r:id="rId7"/>
-    <p:sldId id="264" r:id="rId8"/>
-    <p:sldId id="261" r:id="rId9"/>
-    <p:sldId id="260" r:id="rId10"/>
+    <p:sldId id="265" r:id="rId7"/>
+    <p:sldId id="263" r:id="rId8"/>
+    <p:sldId id="264" r:id="rId9"/>
+    <p:sldId id="261" r:id="rId10"/>
+    <p:sldId id="260" r:id="rId11"/>
   </p:sldIdLst>
   <p:sldSz cx="12192000" cy="6858000"/>
   <p:notesSz cx="6858000" cy="9144000"/>
@@ -306,7 +307,7 @@
           <a:p>
             <a:fld id="{4AAD347D-5ACD-4C99-B74B-A9C85AD731AF}" type="datetimeFigureOut">
               <a:rPr lang="en-US" dirty="0"/>
-              <a:t>7/5/2019</a:t>
+              <a:t>7/21/2019</a:t>
             </a:fld>
             <a:endParaRPr lang="en-US" dirty="0"/>
           </a:p>
@@ -576,7 +577,7 @@
           <a:p>
             <a:fld id="{4509A250-FF31-4206-8172-F9D3106AACB1}" type="datetimeFigureOut">
               <a:rPr lang="en-US" dirty="0"/>
-              <a:t>7/5/2019</a:t>
+              <a:t>7/21/2019</a:t>
             </a:fld>
             <a:endParaRPr lang="en-US" dirty="0"/>
           </a:p>
@@ -765,7 +766,7 @@
           <a:p>
             <a:fld id="{4509A250-FF31-4206-8172-F9D3106AACB1}" type="datetimeFigureOut">
               <a:rPr lang="en-US" dirty="0"/>
-              <a:t>7/5/2019</a:t>
+              <a:t>7/21/2019</a:t>
             </a:fld>
             <a:endParaRPr lang="en-US" dirty="0"/>
           </a:p>
@@ -1033,7 +1034,7 @@
           <a:p>
             <a:fld id="{4509A250-FF31-4206-8172-F9D3106AACB1}" type="datetimeFigureOut">
               <a:rPr lang="en-US" dirty="0"/>
-              <a:t>7/5/2019</a:t>
+              <a:t>7/21/2019</a:t>
             </a:fld>
             <a:endParaRPr lang="en-US" dirty="0"/>
           </a:p>
@@ -1369,7 +1370,7 @@
           <a:p>
             <a:fld id="{4509A250-FF31-4206-8172-F9D3106AACB1}" type="datetimeFigureOut">
               <a:rPr lang="en-US" dirty="0"/>
-              <a:t>7/5/2019</a:t>
+              <a:t>7/21/2019</a:t>
             </a:fld>
             <a:endParaRPr lang="en-US" dirty="0"/>
           </a:p>
@@ -1987,7 +1988,7 @@
           <a:p>
             <a:fld id="{4509A250-FF31-4206-8172-F9D3106AACB1}" type="datetimeFigureOut">
               <a:rPr lang="en-US" dirty="0"/>
-              <a:t>7/5/2019</a:t>
+              <a:t>7/21/2019</a:t>
             </a:fld>
             <a:endParaRPr lang="en-US" dirty="0"/>
           </a:p>
@@ -2842,7 +2843,7 @@
           <a:p>
             <a:fld id="{4509A250-FF31-4206-8172-F9D3106AACB1}" type="datetimeFigureOut">
               <a:rPr lang="en-US" dirty="0"/>
-              <a:t>7/5/2019</a:t>
+              <a:t>7/21/2019</a:t>
             </a:fld>
             <a:endParaRPr lang="en-US" dirty="0"/>
           </a:p>
@@ -3007,7 +3008,7 @@
           <a:p>
             <a:fld id="{4509A250-FF31-4206-8172-F9D3106AACB1}" type="datetimeFigureOut">
               <a:rPr lang="en-US" dirty="0"/>
-              <a:t>7/5/2019</a:t>
+              <a:t>7/21/2019</a:t>
             </a:fld>
             <a:endParaRPr lang="en-US" dirty="0"/>
           </a:p>
@@ -3182,7 +3183,7 @@
           <a:p>
             <a:fld id="{4509A250-FF31-4206-8172-F9D3106AACB1}" type="datetimeFigureOut">
               <a:rPr lang="en-US" dirty="0"/>
-              <a:t>7/5/2019</a:t>
+              <a:t>7/21/2019</a:t>
             </a:fld>
             <a:endParaRPr lang="en-US" dirty="0"/>
           </a:p>
@@ -3347,7 +3348,7 @@
           <a:p>
             <a:fld id="{4509A250-FF31-4206-8172-F9D3106AACB1}" type="datetimeFigureOut">
               <a:rPr lang="en-US" dirty="0"/>
-              <a:t>7/5/2019</a:t>
+              <a:t>7/21/2019</a:t>
             </a:fld>
             <a:endParaRPr lang="en-US" dirty="0"/>
           </a:p>
@@ -3589,7 +3590,7 @@
           <a:p>
             <a:fld id="{9796027F-7875-4030-9381-8BD8C4F21935}" type="datetimeFigureOut">
               <a:rPr lang="en-US" dirty="0"/>
-              <a:t>7/5/2019</a:t>
+              <a:t>7/21/2019</a:t>
             </a:fld>
             <a:endParaRPr lang="en-US" dirty="0"/>
           </a:p>
@@ -3876,7 +3877,7 @@
           <a:p>
             <a:fld id="{9796027F-7875-4030-9381-8BD8C4F21935}" type="datetimeFigureOut">
               <a:rPr lang="en-US" dirty="0"/>
-              <a:t>7/5/2019</a:t>
+              <a:t>7/21/2019</a:t>
             </a:fld>
             <a:endParaRPr lang="en-US" dirty="0"/>
           </a:p>
@@ -4315,7 +4316,7 @@
           <a:p>
             <a:fld id="{9796027F-7875-4030-9381-8BD8C4F21935}" type="datetimeFigureOut">
               <a:rPr lang="en-US" dirty="0"/>
-              <a:t>7/5/2019</a:t>
+              <a:t>7/21/2019</a:t>
             </a:fld>
             <a:endParaRPr lang="en-US" dirty="0"/>
           </a:p>
@@ -4428,7 +4429,7 @@
           <a:p>
             <a:fld id="{4509A250-FF31-4206-8172-F9D3106AACB1}" type="datetimeFigureOut">
               <a:rPr lang="en-US" dirty="0"/>
-              <a:t>7/5/2019</a:t>
+              <a:t>7/21/2019</a:t>
             </a:fld>
             <a:endParaRPr lang="en-US" dirty="0"/>
           </a:p>
@@ -4518,7 +4519,7 @@
           <a:p>
             <a:fld id="{4509A250-FF31-4206-8172-F9D3106AACB1}" type="datetimeFigureOut">
               <a:rPr lang="en-US" dirty="0"/>
-              <a:t>7/5/2019</a:t>
+              <a:t>7/21/2019</a:t>
             </a:fld>
             <a:endParaRPr lang="en-US" dirty="0"/>
           </a:p>
@@ -4792,7 +4793,7 @@
           <a:p>
             <a:fld id="{4509A250-FF31-4206-8172-F9D3106AACB1}" type="datetimeFigureOut">
               <a:rPr lang="en-US" dirty="0"/>
-              <a:t>7/5/2019</a:t>
+              <a:t>7/21/2019</a:t>
             </a:fld>
             <a:endParaRPr lang="en-US" dirty="0"/>
           </a:p>
@@ -5062,7 +5063,7 @@
           <a:p>
             <a:fld id="{4509A250-FF31-4206-8172-F9D3106AACB1}" type="datetimeFigureOut">
               <a:rPr lang="en-US" dirty="0"/>
-              <a:t>7/5/2019</a:t>
+              <a:t>7/21/2019</a:t>
             </a:fld>
             <a:endParaRPr lang="en-US" dirty="0"/>
           </a:p>
@@ -5486,7 +5487,7 @@
           <a:p>
             <a:fld id="{4AAD347D-5ACD-4C99-B74B-A9C85AD731AF}" type="datetimeFigureOut">
               <a:rPr lang="en-US" dirty="0"/>
-              <a:t>7/5/2019</a:t>
+              <a:t>7/21/2019</a:t>
             </a:fld>
             <a:endParaRPr lang="en-US" dirty="0"/>
           </a:p>
@@ -6087,6 +6088,139 @@
 </p:sld>
 </file>
 
+<file path=ppt/slides/slide10.xml><?xml version="1.0" encoding="utf-8"?>
+<p:sld xmlns:a="http://schemas.openxmlformats.org/drawingml/2006/main" xmlns:r="http://schemas.openxmlformats.org/officeDocument/2006/relationships" xmlns:p="http://schemas.openxmlformats.org/presentationml/2006/main">
+  <p:cSld>
+    <p:spTree>
+      <p:nvGrpSpPr>
+        <p:cNvPr id="1" name=""/>
+        <p:cNvGrpSpPr/>
+        <p:nvPr/>
+      </p:nvGrpSpPr>
+      <p:grpSpPr>
+        <a:xfrm>
+          <a:off x="0" y="0"/>
+          <a:ext cx="0" cy="0"/>
+          <a:chOff x="0" y="0"/>
+          <a:chExt cx="0" cy="0"/>
+        </a:xfrm>
+      </p:grpSpPr>
+      <p:sp>
+        <p:nvSpPr>
+          <p:cNvPr id="2" name="Title 1">
+            <a:extLst>
+              <a:ext uri="{FF2B5EF4-FFF2-40B4-BE49-F238E27FC236}">
+                <a16:creationId xmlns:a16="http://schemas.microsoft.com/office/drawing/2014/main" id="{8189D433-4F15-4749-93DD-946C0674B304}"/>
+              </a:ext>
+            </a:extLst>
+          </p:cNvPr>
+          <p:cNvSpPr>
+            <a:spLocks noGrp="1"/>
+          </p:cNvSpPr>
+          <p:nvPr>
+            <p:ph type="title"/>
+          </p:nvPr>
+        </p:nvSpPr>
+        <p:spPr/>
+        <p:txBody>
+          <a:bodyPr/>
+          <a:lstStyle/>
+          <a:p>
+            <a:r>
+              <a:rPr lang="en-US" dirty="0"/>
+              <a:t>Potential Future Directions</a:t>
+            </a:r>
+          </a:p>
+        </p:txBody>
+      </p:sp>
+      <p:sp>
+        <p:nvSpPr>
+          <p:cNvPr id="3" name="Content Placeholder 2">
+            <a:extLst>
+              <a:ext uri="{FF2B5EF4-FFF2-40B4-BE49-F238E27FC236}">
+                <a16:creationId xmlns:a16="http://schemas.microsoft.com/office/drawing/2014/main" id="{76732477-FD8F-4FA4-8296-9B435573F5BF}"/>
+              </a:ext>
+            </a:extLst>
+          </p:cNvPr>
+          <p:cNvSpPr>
+            <a:spLocks noGrp="1"/>
+          </p:cNvSpPr>
+          <p:nvPr>
+            <p:ph idx="1"/>
+          </p:nvPr>
+        </p:nvSpPr>
+        <p:spPr/>
+        <p:txBody>
+          <a:bodyPr/>
+          <a:lstStyle/>
+          <a:p>
+            <a:r>
+              <a:rPr lang="en-US" dirty="0"/>
+              <a:t>Complete implementation of </a:t>
+            </a:r>
+            <a:r>
+              <a:rPr lang="en-US" dirty="0" err="1"/>
+              <a:t>LocalDatetime</a:t>
+            </a:r>
+            <a:r>
+              <a:rPr lang="en-US" dirty="0"/>
+              <a:t> functions</a:t>
+            </a:r>
+          </a:p>
+          <a:p>
+            <a:r>
+              <a:rPr lang="en-US" dirty="0"/>
+              <a:t>Additional datetime arithmetic – e.g., addition of calendar unit intervals to datetimes, e.g., years, months, days, hours, minutes, etc.</a:t>
+            </a:r>
+          </a:p>
+          <a:p>
+            <a:r>
+              <a:rPr lang="en-US" dirty="0"/>
+              <a:t>“Business” datetime arithmetic – e.g., holiday schedules, end of month conventions, leap-year conventions</a:t>
+            </a:r>
+          </a:p>
+          <a:p>
+            <a:r>
+              <a:rPr lang="en-US" dirty="0"/>
+              <a:t>Local datetime ranges in calendar units</a:t>
+            </a:r>
+          </a:p>
+          <a:p>
+            <a:r>
+              <a:rPr lang="en-US" dirty="0"/>
+              <a:t>Time series features and functions – smaller, faster, reduced functionality datatype, specialized arrays / collections</a:t>
+            </a:r>
+          </a:p>
+          <a:p>
+            <a:r>
+              <a:rPr lang="en-US" dirty="0"/>
+              <a:t>Geographical information</a:t>
+            </a:r>
+          </a:p>
+          <a:p>
+            <a:r>
+              <a:rPr lang="en-US" dirty="0"/>
+              <a:t>Pure Julia implementation</a:t>
+            </a:r>
+          </a:p>
+          <a:p>
+            <a:endParaRPr lang="en-US" dirty="0"/>
+          </a:p>
+        </p:txBody>
+      </p:sp>
+    </p:spTree>
+    <p:extLst>
+      <p:ext uri="{BB962C8B-B14F-4D97-AF65-F5344CB8AC3E}">
+        <p14:creationId xmlns:p14="http://schemas.microsoft.com/office/powerpoint/2010/main" val="2574812611"/>
+      </p:ext>
+    </p:extLst>
+  </p:cSld>
+  <p:clrMapOvr>
+    <a:masterClrMapping/>
+  </p:clrMapOvr>
+</p:sld>
+</file>
+
 <file path=ppt/slides/slide2.xml><?xml version="1.0" encoding="utf-8"?>
 <p:sld xmlns:a="http://schemas.openxmlformats.org/drawingml/2006/main" xmlns:r="http://schemas.openxmlformats.org/officeDocument/2006/relationships" xmlns:p="http://schemas.openxmlformats.org/presentationml/2006/main">
   <p:cSld>
@@ -6127,7 +6261,7 @@
           <a:p>
             <a:r>
               <a:rPr lang="en-US" dirty="0"/>
-              <a:t>Motivation or The Problem</a:t>
+              <a:t>Motivation</a:t>
             </a:r>
           </a:p>
         </p:txBody>
@@ -6237,7 +6371,7 @@
           <a:p>
             <a:r>
               <a:rPr lang="en-US" dirty="0"/>
-              <a:t>Objective or The Solution</a:t>
+              <a:t>The Solution</a:t>
             </a:r>
           </a:p>
         </p:txBody>
@@ -6335,7 +6469,7 @@
           <a:p>
             <a:r>
               <a:rPr lang="en-US" dirty="0"/>
-              <a:t>Requirements or Specifications</a:t>
+              <a:t>Requirements</a:t>
             </a:r>
           </a:p>
         </p:txBody>
@@ -6565,7 +6699,7 @@
           <p:cNvPr id="2" name="Title 1">
             <a:extLst>
               <a:ext uri="{FF2B5EF4-FFF2-40B4-BE49-F238E27FC236}">
-                <a16:creationId xmlns:a16="http://schemas.microsoft.com/office/drawing/2014/main" id="{6380414C-3876-4939-A8D4-88169A4EF0C4}"/>
+                <a16:creationId xmlns:a16="http://schemas.microsoft.com/office/drawing/2014/main" id="{FDF42DC0-F78E-45FD-8EC7-2D8D707731B7}"/>
               </a:ext>
             </a:extLst>
           </p:cNvPr>
@@ -6576,112 +6710,3745 @@
             <p:ph type="title"/>
           </p:nvPr>
         </p:nvSpPr>
-        <p:spPr/>
+        <p:spPr>
+          <a:xfrm>
+            <a:off x="917895" y="451832"/>
+            <a:ext cx="8789436" cy="1400530"/>
+          </a:xfrm>
+        </p:spPr>
         <p:txBody>
           <a:bodyPr/>
           <a:lstStyle/>
           <a:p>
             <a:r>
               <a:rPr lang="en-US" dirty="0"/>
-              <a:t>Interesting C Implementation Details</a:t>
-            </a:r>
-          </a:p>
-        </p:txBody>
-      </p:sp>
-      <p:sp>
-        <p:nvSpPr>
-          <p:cNvPr id="3" name="Content Placeholder 2">
+              <a:t>Simplified Datetime Architecture</a:t>
+            </a:r>
+          </a:p>
+        </p:txBody>
+      </p:sp>
+      <p:grpSp>
+        <p:nvGrpSpPr>
+          <p:cNvPr id="31" name="Group 30">
             <a:extLst>
               <a:ext uri="{FF2B5EF4-FFF2-40B4-BE49-F238E27FC236}">
-                <a16:creationId xmlns:a16="http://schemas.microsoft.com/office/drawing/2014/main" id="{33F5AFA5-3D7E-4B01-9567-993A7FFF1905}"/>
+                <a16:creationId xmlns:a16="http://schemas.microsoft.com/office/drawing/2014/main" id="{867A3BDF-CC5D-46B4-88D4-03552071A72C}"/>
               </a:ext>
             </a:extLst>
           </p:cNvPr>
-          <p:cNvSpPr>
-            <a:spLocks noGrp="1"/>
-          </p:cNvSpPr>
-          <p:nvPr>
-            <p:ph idx="1"/>
-          </p:nvPr>
-        </p:nvSpPr>
-        <p:spPr/>
-        <p:txBody>
-          <a:bodyPr>
-            <a:normAutofit fontScale="92500" lnSpcReduction="20000"/>
+          <p:cNvGrpSpPr/>
+          <p:nvPr/>
+        </p:nvGrpSpPr>
+        <p:grpSpPr>
+          <a:xfrm>
+            <a:off x="770571" y="1883572"/>
+            <a:ext cx="9556955" cy="258097"/>
+            <a:chOff x="870155" y="2466667"/>
+            <a:chExt cx="9556955" cy="258097"/>
+          </a:xfrm>
+        </p:grpSpPr>
+        <p:cxnSp>
+          <p:nvCxnSpPr>
+            <p:cNvPr id="5" name="Straight Arrow Connector 4">
+              <a:extLst>
+                <a:ext uri="{FF2B5EF4-FFF2-40B4-BE49-F238E27FC236}">
+                  <a16:creationId xmlns:a16="http://schemas.microsoft.com/office/drawing/2014/main" id="{4C25F2FA-7438-4718-834E-D9AE98FC78CB}"/>
+                </a:ext>
+              </a:extLst>
+            </p:cNvPr>
+            <p:cNvCxnSpPr/>
+            <p:nvPr/>
+          </p:nvCxnSpPr>
+          <p:spPr>
+            <a:xfrm>
+              <a:off x="870155" y="2595716"/>
+              <a:ext cx="9556955" cy="0"/>
+            </a:xfrm>
+            <a:prstGeom prst="straightConnector1">
+              <a:avLst/>
+            </a:prstGeom>
+            <a:ln w="25400">
+              <a:solidFill>
+                <a:schemeClr val="tx1"/>
+              </a:solidFill>
+              <a:tailEnd type="triangle" w="lg" len="lg"/>
+            </a:ln>
+          </p:spPr>
+          <p:style>
+            <a:lnRef idx="1">
+              <a:schemeClr val="accent1"/>
+            </a:lnRef>
+            <a:fillRef idx="0">
+              <a:schemeClr val="accent1"/>
+            </a:fillRef>
+            <a:effectRef idx="0">
+              <a:schemeClr val="accent1"/>
+            </a:effectRef>
+            <a:fontRef idx="minor">
+              <a:schemeClr val="tx1"/>
+            </a:fontRef>
+          </p:style>
+        </p:cxnSp>
+        <p:cxnSp>
+          <p:nvCxnSpPr>
+            <p:cNvPr id="7" name="Straight Connector 6">
+              <a:extLst>
+                <a:ext uri="{FF2B5EF4-FFF2-40B4-BE49-F238E27FC236}">
+                  <a16:creationId xmlns:a16="http://schemas.microsoft.com/office/drawing/2014/main" id="{895E6411-CEF4-4D63-8954-FE26634CD8F8}"/>
+                </a:ext>
+              </a:extLst>
+            </p:cNvPr>
+            <p:cNvCxnSpPr/>
+            <p:nvPr/>
+          </p:nvCxnSpPr>
+          <p:spPr>
+            <a:xfrm>
+              <a:off x="884903" y="2466667"/>
+              <a:ext cx="0" cy="258097"/>
+            </a:xfrm>
+            <a:prstGeom prst="line">
+              <a:avLst/>
+            </a:prstGeom>
+            <a:ln w="15875">
+              <a:solidFill>
+                <a:schemeClr val="tx1"/>
+              </a:solidFill>
+            </a:ln>
+          </p:spPr>
+          <p:style>
+            <a:lnRef idx="1">
+              <a:schemeClr val="accent1"/>
+            </a:lnRef>
+            <a:fillRef idx="0">
+              <a:schemeClr val="accent1"/>
+            </a:fillRef>
+            <a:effectRef idx="0">
+              <a:schemeClr val="accent1"/>
+            </a:effectRef>
+            <a:fontRef idx="minor">
+              <a:schemeClr val="tx1"/>
+            </a:fontRef>
+          </p:style>
+        </p:cxnSp>
+        <p:cxnSp>
+          <p:nvCxnSpPr>
+            <p:cNvPr id="8" name="Straight Connector 7">
+              <a:extLst>
+                <a:ext uri="{FF2B5EF4-FFF2-40B4-BE49-F238E27FC236}">
+                  <a16:creationId xmlns:a16="http://schemas.microsoft.com/office/drawing/2014/main" id="{B38B7AA7-C97D-4C86-96AB-069AD3E13DD6}"/>
+                </a:ext>
+              </a:extLst>
+            </p:cNvPr>
+            <p:cNvCxnSpPr/>
+            <p:nvPr/>
+          </p:nvCxnSpPr>
+          <p:spPr>
+            <a:xfrm>
+              <a:off x="1301536" y="2466667"/>
+              <a:ext cx="0" cy="258097"/>
+            </a:xfrm>
+            <a:prstGeom prst="line">
+              <a:avLst/>
+            </a:prstGeom>
+            <a:ln w="15875">
+              <a:solidFill>
+                <a:schemeClr val="tx1"/>
+              </a:solidFill>
+            </a:ln>
+          </p:spPr>
+          <p:style>
+            <a:lnRef idx="1">
+              <a:schemeClr val="accent1"/>
+            </a:lnRef>
+            <a:fillRef idx="0">
+              <a:schemeClr val="accent1"/>
+            </a:fillRef>
+            <a:effectRef idx="0">
+              <a:schemeClr val="accent1"/>
+            </a:effectRef>
+            <a:fontRef idx="minor">
+              <a:schemeClr val="tx1"/>
+            </a:fontRef>
+          </p:style>
+        </p:cxnSp>
+        <p:cxnSp>
+          <p:nvCxnSpPr>
+            <p:cNvPr id="9" name="Straight Connector 8">
+              <a:extLst>
+                <a:ext uri="{FF2B5EF4-FFF2-40B4-BE49-F238E27FC236}">
+                  <a16:creationId xmlns:a16="http://schemas.microsoft.com/office/drawing/2014/main" id="{5A0C15D5-6727-4957-AC2C-4B3826B20E02}"/>
+                </a:ext>
+              </a:extLst>
+            </p:cNvPr>
+            <p:cNvCxnSpPr/>
+            <p:nvPr/>
+          </p:nvCxnSpPr>
+          <p:spPr>
+            <a:xfrm>
+              <a:off x="1718169" y="2466667"/>
+              <a:ext cx="0" cy="258097"/>
+            </a:xfrm>
+            <a:prstGeom prst="line">
+              <a:avLst/>
+            </a:prstGeom>
+            <a:ln w="15875">
+              <a:solidFill>
+                <a:schemeClr val="tx1"/>
+              </a:solidFill>
+            </a:ln>
+          </p:spPr>
+          <p:style>
+            <a:lnRef idx="1">
+              <a:schemeClr val="accent1"/>
+            </a:lnRef>
+            <a:fillRef idx="0">
+              <a:schemeClr val="accent1"/>
+            </a:fillRef>
+            <a:effectRef idx="0">
+              <a:schemeClr val="accent1"/>
+            </a:effectRef>
+            <a:fontRef idx="minor">
+              <a:schemeClr val="tx1"/>
+            </a:fontRef>
+          </p:style>
+        </p:cxnSp>
+        <p:cxnSp>
+          <p:nvCxnSpPr>
+            <p:cNvPr id="10" name="Straight Connector 9">
+              <a:extLst>
+                <a:ext uri="{FF2B5EF4-FFF2-40B4-BE49-F238E27FC236}">
+                  <a16:creationId xmlns:a16="http://schemas.microsoft.com/office/drawing/2014/main" id="{39803893-20A4-429D-82A7-F7A729A01CFB}"/>
+                </a:ext>
+              </a:extLst>
+            </p:cNvPr>
+            <p:cNvCxnSpPr/>
+            <p:nvPr/>
+          </p:nvCxnSpPr>
+          <p:spPr>
+            <a:xfrm>
+              <a:off x="2134802" y="2466667"/>
+              <a:ext cx="0" cy="258097"/>
+            </a:xfrm>
+            <a:prstGeom prst="line">
+              <a:avLst/>
+            </a:prstGeom>
+            <a:ln w="15875">
+              <a:solidFill>
+                <a:schemeClr val="tx1"/>
+              </a:solidFill>
+            </a:ln>
+          </p:spPr>
+          <p:style>
+            <a:lnRef idx="1">
+              <a:schemeClr val="accent1"/>
+            </a:lnRef>
+            <a:fillRef idx="0">
+              <a:schemeClr val="accent1"/>
+            </a:fillRef>
+            <a:effectRef idx="0">
+              <a:schemeClr val="accent1"/>
+            </a:effectRef>
+            <a:fontRef idx="minor">
+              <a:schemeClr val="tx1"/>
+            </a:fontRef>
+          </p:style>
+        </p:cxnSp>
+        <p:cxnSp>
+          <p:nvCxnSpPr>
+            <p:cNvPr id="11" name="Straight Connector 10">
+              <a:extLst>
+                <a:ext uri="{FF2B5EF4-FFF2-40B4-BE49-F238E27FC236}">
+                  <a16:creationId xmlns:a16="http://schemas.microsoft.com/office/drawing/2014/main" id="{EA5E5B7B-2C31-4659-9223-6EDF5E55AD14}"/>
+                </a:ext>
+              </a:extLst>
+            </p:cNvPr>
+            <p:cNvCxnSpPr/>
+            <p:nvPr/>
+          </p:nvCxnSpPr>
+          <p:spPr>
+            <a:xfrm>
+              <a:off x="2551435" y="2466667"/>
+              <a:ext cx="0" cy="258097"/>
+            </a:xfrm>
+            <a:prstGeom prst="line">
+              <a:avLst/>
+            </a:prstGeom>
+            <a:ln w="15875">
+              <a:solidFill>
+                <a:schemeClr val="tx1"/>
+              </a:solidFill>
+            </a:ln>
+          </p:spPr>
+          <p:style>
+            <a:lnRef idx="1">
+              <a:schemeClr val="accent1"/>
+            </a:lnRef>
+            <a:fillRef idx="0">
+              <a:schemeClr val="accent1"/>
+            </a:fillRef>
+            <a:effectRef idx="0">
+              <a:schemeClr val="accent1"/>
+            </a:effectRef>
+            <a:fontRef idx="minor">
+              <a:schemeClr val="tx1"/>
+            </a:fontRef>
+          </p:style>
+        </p:cxnSp>
+        <p:cxnSp>
+          <p:nvCxnSpPr>
+            <p:cNvPr id="12" name="Straight Connector 11">
+              <a:extLst>
+                <a:ext uri="{FF2B5EF4-FFF2-40B4-BE49-F238E27FC236}">
+                  <a16:creationId xmlns:a16="http://schemas.microsoft.com/office/drawing/2014/main" id="{A7651E00-1567-4003-965B-7F7723B5374A}"/>
+                </a:ext>
+              </a:extLst>
+            </p:cNvPr>
+            <p:cNvCxnSpPr/>
+            <p:nvPr/>
+          </p:nvCxnSpPr>
+          <p:spPr>
+            <a:xfrm>
+              <a:off x="2968068" y="2466667"/>
+              <a:ext cx="0" cy="258097"/>
+            </a:xfrm>
+            <a:prstGeom prst="line">
+              <a:avLst/>
+            </a:prstGeom>
+            <a:ln w="15875">
+              <a:solidFill>
+                <a:schemeClr val="tx1"/>
+              </a:solidFill>
+            </a:ln>
+          </p:spPr>
+          <p:style>
+            <a:lnRef idx="1">
+              <a:schemeClr val="accent1"/>
+            </a:lnRef>
+            <a:fillRef idx="0">
+              <a:schemeClr val="accent1"/>
+            </a:fillRef>
+            <a:effectRef idx="0">
+              <a:schemeClr val="accent1"/>
+            </a:effectRef>
+            <a:fontRef idx="minor">
+              <a:schemeClr val="tx1"/>
+            </a:fontRef>
+          </p:style>
+        </p:cxnSp>
+        <p:cxnSp>
+          <p:nvCxnSpPr>
+            <p:cNvPr id="13" name="Straight Connector 12">
+              <a:extLst>
+                <a:ext uri="{FF2B5EF4-FFF2-40B4-BE49-F238E27FC236}">
+                  <a16:creationId xmlns:a16="http://schemas.microsoft.com/office/drawing/2014/main" id="{28A44479-BEBF-4CDD-B727-AA1BBE3C6EA0}"/>
+                </a:ext>
+              </a:extLst>
+            </p:cNvPr>
+            <p:cNvCxnSpPr/>
+            <p:nvPr/>
+          </p:nvCxnSpPr>
+          <p:spPr>
+            <a:xfrm>
+              <a:off x="3384701" y="2466667"/>
+              <a:ext cx="0" cy="258097"/>
+            </a:xfrm>
+            <a:prstGeom prst="line">
+              <a:avLst/>
+            </a:prstGeom>
+            <a:ln w="15875">
+              <a:solidFill>
+                <a:schemeClr val="tx1"/>
+              </a:solidFill>
+            </a:ln>
+          </p:spPr>
+          <p:style>
+            <a:lnRef idx="1">
+              <a:schemeClr val="accent1"/>
+            </a:lnRef>
+            <a:fillRef idx="0">
+              <a:schemeClr val="accent1"/>
+            </a:fillRef>
+            <a:effectRef idx="0">
+              <a:schemeClr val="accent1"/>
+            </a:effectRef>
+            <a:fontRef idx="minor">
+              <a:schemeClr val="tx1"/>
+            </a:fontRef>
+          </p:style>
+        </p:cxnSp>
+        <p:cxnSp>
+          <p:nvCxnSpPr>
+            <p:cNvPr id="14" name="Straight Connector 13">
+              <a:extLst>
+                <a:ext uri="{FF2B5EF4-FFF2-40B4-BE49-F238E27FC236}">
+                  <a16:creationId xmlns:a16="http://schemas.microsoft.com/office/drawing/2014/main" id="{1A946F15-C661-4E2D-B79A-F702AF167794}"/>
+                </a:ext>
+              </a:extLst>
+            </p:cNvPr>
+            <p:cNvCxnSpPr/>
+            <p:nvPr/>
+          </p:nvCxnSpPr>
+          <p:spPr>
+            <a:xfrm>
+              <a:off x="3801334" y="2466667"/>
+              <a:ext cx="0" cy="258097"/>
+            </a:xfrm>
+            <a:prstGeom prst="line">
+              <a:avLst/>
+            </a:prstGeom>
+            <a:ln w="15875">
+              <a:solidFill>
+                <a:schemeClr val="tx1"/>
+              </a:solidFill>
+            </a:ln>
+          </p:spPr>
+          <p:style>
+            <a:lnRef idx="1">
+              <a:schemeClr val="accent1"/>
+            </a:lnRef>
+            <a:fillRef idx="0">
+              <a:schemeClr val="accent1"/>
+            </a:fillRef>
+            <a:effectRef idx="0">
+              <a:schemeClr val="accent1"/>
+            </a:effectRef>
+            <a:fontRef idx="minor">
+              <a:schemeClr val="tx1"/>
+            </a:fontRef>
+          </p:style>
+        </p:cxnSp>
+        <p:cxnSp>
+          <p:nvCxnSpPr>
+            <p:cNvPr id="15" name="Straight Connector 14">
+              <a:extLst>
+                <a:ext uri="{FF2B5EF4-FFF2-40B4-BE49-F238E27FC236}">
+                  <a16:creationId xmlns:a16="http://schemas.microsoft.com/office/drawing/2014/main" id="{A8F1562D-0433-48BF-8450-5BCAAC173544}"/>
+                </a:ext>
+              </a:extLst>
+            </p:cNvPr>
+            <p:cNvCxnSpPr/>
+            <p:nvPr/>
+          </p:nvCxnSpPr>
+          <p:spPr>
+            <a:xfrm>
+              <a:off x="4217967" y="2466667"/>
+              <a:ext cx="0" cy="258097"/>
+            </a:xfrm>
+            <a:prstGeom prst="line">
+              <a:avLst/>
+            </a:prstGeom>
+            <a:ln w="15875">
+              <a:solidFill>
+                <a:schemeClr val="tx1"/>
+              </a:solidFill>
+            </a:ln>
+          </p:spPr>
+          <p:style>
+            <a:lnRef idx="1">
+              <a:schemeClr val="accent1"/>
+            </a:lnRef>
+            <a:fillRef idx="0">
+              <a:schemeClr val="accent1"/>
+            </a:fillRef>
+            <a:effectRef idx="0">
+              <a:schemeClr val="accent1"/>
+            </a:effectRef>
+            <a:fontRef idx="minor">
+              <a:schemeClr val="tx1"/>
+            </a:fontRef>
+          </p:style>
+        </p:cxnSp>
+        <p:cxnSp>
+          <p:nvCxnSpPr>
+            <p:cNvPr id="16" name="Straight Connector 15">
+              <a:extLst>
+                <a:ext uri="{FF2B5EF4-FFF2-40B4-BE49-F238E27FC236}">
+                  <a16:creationId xmlns:a16="http://schemas.microsoft.com/office/drawing/2014/main" id="{ABACF34B-AB89-4049-BD92-46F5043FBABE}"/>
+                </a:ext>
+              </a:extLst>
+            </p:cNvPr>
+            <p:cNvCxnSpPr/>
+            <p:nvPr/>
+          </p:nvCxnSpPr>
+          <p:spPr>
+            <a:xfrm>
+              <a:off x="4634600" y="2466667"/>
+              <a:ext cx="0" cy="258097"/>
+            </a:xfrm>
+            <a:prstGeom prst="line">
+              <a:avLst/>
+            </a:prstGeom>
+            <a:ln w="15875">
+              <a:solidFill>
+                <a:schemeClr val="tx1"/>
+              </a:solidFill>
+            </a:ln>
+          </p:spPr>
+          <p:style>
+            <a:lnRef idx="1">
+              <a:schemeClr val="accent1"/>
+            </a:lnRef>
+            <a:fillRef idx="0">
+              <a:schemeClr val="accent1"/>
+            </a:fillRef>
+            <a:effectRef idx="0">
+              <a:schemeClr val="accent1"/>
+            </a:effectRef>
+            <a:fontRef idx="minor">
+              <a:schemeClr val="tx1"/>
+            </a:fontRef>
+          </p:style>
+        </p:cxnSp>
+        <p:cxnSp>
+          <p:nvCxnSpPr>
+            <p:cNvPr id="17" name="Straight Connector 16">
+              <a:extLst>
+                <a:ext uri="{FF2B5EF4-FFF2-40B4-BE49-F238E27FC236}">
+                  <a16:creationId xmlns:a16="http://schemas.microsoft.com/office/drawing/2014/main" id="{9AD41DB6-4B43-4884-9783-A4E24E4358C6}"/>
+                </a:ext>
+              </a:extLst>
+            </p:cNvPr>
+            <p:cNvCxnSpPr/>
+            <p:nvPr/>
+          </p:nvCxnSpPr>
+          <p:spPr>
+            <a:xfrm>
+              <a:off x="5051233" y="2466667"/>
+              <a:ext cx="0" cy="258097"/>
+            </a:xfrm>
+            <a:prstGeom prst="line">
+              <a:avLst/>
+            </a:prstGeom>
+            <a:ln w="15875">
+              <a:solidFill>
+                <a:schemeClr val="tx1"/>
+              </a:solidFill>
+            </a:ln>
+          </p:spPr>
+          <p:style>
+            <a:lnRef idx="1">
+              <a:schemeClr val="accent1"/>
+            </a:lnRef>
+            <a:fillRef idx="0">
+              <a:schemeClr val="accent1"/>
+            </a:fillRef>
+            <a:effectRef idx="0">
+              <a:schemeClr val="accent1"/>
+            </a:effectRef>
+            <a:fontRef idx="minor">
+              <a:schemeClr val="tx1"/>
+            </a:fontRef>
+          </p:style>
+        </p:cxnSp>
+        <p:cxnSp>
+          <p:nvCxnSpPr>
+            <p:cNvPr id="18" name="Straight Connector 17">
+              <a:extLst>
+                <a:ext uri="{FF2B5EF4-FFF2-40B4-BE49-F238E27FC236}">
+                  <a16:creationId xmlns:a16="http://schemas.microsoft.com/office/drawing/2014/main" id="{41E0AFAD-A582-4840-A888-A23B8A513BFB}"/>
+                </a:ext>
+              </a:extLst>
+            </p:cNvPr>
+            <p:cNvCxnSpPr/>
+            <p:nvPr/>
+          </p:nvCxnSpPr>
+          <p:spPr>
+            <a:xfrm>
+              <a:off x="5467866" y="2466667"/>
+              <a:ext cx="0" cy="258097"/>
+            </a:xfrm>
+            <a:prstGeom prst="line">
+              <a:avLst/>
+            </a:prstGeom>
+            <a:ln w="15875">
+              <a:solidFill>
+                <a:schemeClr val="tx1"/>
+              </a:solidFill>
+            </a:ln>
+          </p:spPr>
+          <p:style>
+            <a:lnRef idx="1">
+              <a:schemeClr val="accent1"/>
+            </a:lnRef>
+            <a:fillRef idx="0">
+              <a:schemeClr val="accent1"/>
+            </a:fillRef>
+            <a:effectRef idx="0">
+              <a:schemeClr val="accent1"/>
+            </a:effectRef>
+            <a:fontRef idx="minor">
+              <a:schemeClr val="tx1"/>
+            </a:fontRef>
+          </p:style>
+        </p:cxnSp>
+        <p:cxnSp>
+          <p:nvCxnSpPr>
+            <p:cNvPr id="19" name="Straight Connector 18">
+              <a:extLst>
+                <a:ext uri="{FF2B5EF4-FFF2-40B4-BE49-F238E27FC236}">
+                  <a16:creationId xmlns:a16="http://schemas.microsoft.com/office/drawing/2014/main" id="{05F0EB75-87C4-4796-89E4-E58148D21FE2}"/>
+                </a:ext>
+              </a:extLst>
+            </p:cNvPr>
+            <p:cNvCxnSpPr/>
+            <p:nvPr/>
+          </p:nvCxnSpPr>
+          <p:spPr>
+            <a:xfrm>
+              <a:off x="5884499" y="2466667"/>
+              <a:ext cx="0" cy="258097"/>
+            </a:xfrm>
+            <a:prstGeom prst="line">
+              <a:avLst/>
+            </a:prstGeom>
+            <a:ln w="15875">
+              <a:solidFill>
+                <a:schemeClr val="tx1"/>
+              </a:solidFill>
+            </a:ln>
+          </p:spPr>
+          <p:style>
+            <a:lnRef idx="1">
+              <a:schemeClr val="accent1"/>
+            </a:lnRef>
+            <a:fillRef idx="0">
+              <a:schemeClr val="accent1"/>
+            </a:fillRef>
+            <a:effectRef idx="0">
+              <a:schemeClr val="accent1"/>
+            </a:effectRef>
+            <a:fontRef idx="minor">
+              <a:schemeClr val="tx1"/>
+            </a:fontRef>
+          </p:style>
+        </p:cxnSp>
+        <p:cxnSp>
+          <p:nvCxnSpPr>
+            <p:cNvPr id="20" name="Straight Connector 19">
+              <a:extLst>
+                <a:ext uri="{FF2B5EF4-FFF2-40B4-BE49-F238E27FC236}">
+                  <a16:creationId xmlns:a16="http://schemas.microsoft.com/office/drawing/2014/main" id="{F468F891-EBEB-4BE3-95D2-B58914701465}"/>
+                </a:ext>
+              </a:extLst>
+            </p:cNvPr>
+            <p:cNvCxnSpPr/>
+            <p:nvPr/>
+          </p:nvCxnSpPr>
+          <p:spPr>
+            <a:xfrm>
+              <a:off x="6301132" y="2466667"/>
+              <a:ext cx="0" cy="258097"/>
+            </a:xfrm>
+            <a:prstGeom prst="line">
+              <a:avLst/>
+            </a:prstGeom>
+            <a:ln w="15875">
+              <a:solidFill>
+                <a:schemeClr val="tx1"/>
+              </a:solidFill>
+            </a:ln>
+          </p:spPr>
+          <p:style>
+            <a:lnRef idx="1">
+              <a:schemeClr val="accent1"/>
+            </a:lnRef>
+            <a:fillRef idx="0">
+              <a:schemeClr val="accent1"/>
+            </a:fillRef>
+            <a:effectRef idx="0">
+              <a:schemeClr val="accent1"/>
+            </a:effectRef>
+            <a:fontRef idx="minor">
+              <a:schemeClr val="tx1"/>
+            </a:fontRef>
+          </p:style>
+        </p:cxnSp>
+        <p:cxnSp>
+          <p:nvCxnSpPr>
+            <p:cNvPr id="21" name="Straight Connector 20">
+              <a:extLst>
+                <a:ext uri="{FF2B5EF4-FFF2-40B4-BE49-F238E27FC236}">
+                  <a16:creationId xmlns:a16="http://schemas.microsoft.com/office/drawing/2014/main" id="{8D2713B9-DB81-419E-9B60-6190D4FB32DB}"/>
+                </a:ext>
+              </a:extLst>
+            </p:cNvPr>
+            <p:cNvCxnSpPr/>
+            <p:nvPr/>
+          </p:nvCxnSpPr>
+          <p:spPr>
+            <a:xfrm>
+              <a:off x="6717765" y="2466667"/>
+              <a:ext cx="0" cy="258097"/>
+            </a:xfrm>
+            <a:prstGeom prst="line">
+              <a:avLst/>
+            </a:prstGeom>
+            <a:ln w="15875">
+              <a:solidFill>
+                <a:schemeClr val="tx1"/>
+              </a:solidFill>
+            </a:ln>
+          </p:spPr>
+          <p:style>
+            <a:lnRef idx="1">
+              <a:schemeClr val="accent1"/>
+            </a:lnRef>
+            <a:fillRef idx="0">
+              <a:schemeClr val="accent1"/>
+            </a:fillRef>
+            <a:effectRef idx="0">
+              <a:schemeClr val="accent1"/>
+            </a:effectRef>
+            <a:fontRef idx="minor">
+              <a:schemeClr val="tx1"/>
+            </a:fontRef>
+          </p:style>
+        </p:cxnSp>
+        <p:cxnSp>
+          <p:nvCxnSpPr>
+            <p:cNvPr id="22" name="Straight Connector 21">
+              <a:extLst>
+                <a:ext uri="{FF2B5EF4-FFF2-40B4-BE49-F238E27FC236}">
+                  <a16:creationId xmlns:a16="http://schemas.microsoft.com/office/drawing/2014/main" id="{A7B0B661-05E1-409F-86D2-253A488E379D}"/>
+                </a:ext>
+              </a:extLst>
+            </p:cNvPr>
+            <p:cNvCxnSpPr/>
+            <p:nvPr/>
+          </p:nvCxnSpPr>
+          <p:spPr>
+            <a:xfrm>
+              <a:off x="7134398" y="2466667"/>
+              <a:ext cx="0" cy="258097"/>
+            </a:xfrm>
+            <a:prstGeom prst="line">
+              <a:avLst/>
+            </a:prstGeom>
+            <a:ln w="15875">
+              <a:solidFill>
+                <a:schemeClr val="tx1"/>
+              </a:solidFill>
+            </a:ln>
+          </p:spPr>
+          <p:style>
+            <a:lnRef idx="1">
+              <a:schemeClr val="accent1"/>
+            </a:lnRef>
+            <a:fillRef idx="0">
+              <a:schemeClr val="accent1"/>
+            </a:fillRef>
+            <a:effectRef idx="0">
+              <a:schemeClr val="accent1"/>
+            </a:effectRef>
+            <a:fontRef idx="minor">
+              <a:schemeClr val="tx1"/>
+            </a:fontRef>
+          </p:style>
+        </p:cxnSp>
+        <p:cxnSp>
+          <p:nvCxnSpPr>
+            <p:cNvPr id="23" name="Straight Connector 22">
+              <a:extLst>
+                <a:ext uri="{FF2B5EF4-FFF2-40B4-BE49-F238E27FC236}">
+                  <a16:creationId xmlns:a16="http://schemas.microsoft.com/office/drawing/2014/main" id="{2F0F64C5-9107-4870-AB43-6C1F025E94F0}"/>
+                </a:ext>
+              </a:extLst>
+            </p:cNvPr>
+            <p:cNvCxnSpPr/>
+            <p:nvPr/>
+          </p:nvCxnSpPr>
+          <p:spPr>
+            <a:xfrm>
+              <a:off x="7551031" y="2466667"/>
+              <a:ext cx="0" cy="258097"/>
+            </a:xfrm>
+            <a:prstGeom prst="line">
+              <a:avLst/>
+            </a:prstGeom>
+            <a:ln w="15875">
+              <a:solidFill>
+                <a:schemeClr val="tx1"/>
+              </a:solidFill>
+            </a:ln>
+          </p:spPr>
+          <p:style>
+            <a:lnRef idx="1">
+              <a:schemeClr val="accent1"/>
+            </a:lnRef>
+            <a:fillRef idx="0">
+              <a:schemeClr val="accent1"/>
+            </a:fillRef>
+            <a:effectRef idx="0">
+              <a:schemeClr val="accent1"/>
+            </a:effectRef>
+            <a:fontRef idx="minor">
+              <a:schemeClr val="tx1"/>
+            </a:fontRef>
+          </p:style>
+        </p:cxnSp>
+        <p:cxnSp>
+          <p:nvCxnSpPr>
+            <p:cNvPr id="24" name="Straight Connector 23">
+              <a:extLst>
+                <a:ext uri="{FF2B5EF4-FFF2-40B4-BE49-F238E27FC236}">
+                  <a16:creationId xmlns:a16="http://schemas.microsoft.com/office/drawing/2014/main" id="{87D4A325-3356-4C35-A444-82983D160509}"/>
+                </a:ext>
+              </a:extLst>
+            </p:cNvPr>
+            <p:cNvCxnSpPr/>
+            <p:nvPr/>
+          </p:nvCxnSpPr>
+          <p:spPr>
+            <a:xfrm>
+              <a:off x="7967664" y="2466667"/>
+              <a:ext cx="0" cy="258097"/>
+            </a:xfrm>
+            <a:prstGeom prst="line">
+              <a:avLst/>
+            </a:prstGeom>
+            <a:ln w="15875">
+              <a:solidFill>
+                <a:schemeClr val="tx1"/>
+              </a:solidFill>
+            </a:ln>
+          </p:spPr>
+          <p:style>
+            <a:lnRef idx="1">
+              <a:schemeClr val="accent1"/>
+            </a:lnRef>
+            <a:fillRef idx="0">
+              <a:schemeClr val="accent1"/>
+            </a:fillRef>
+            <a:effectRef idx="0">
+              <a:schemeClr val="accent1"/>
+            </a:effectRef>
+            <a:fontRef idx="minor">
+              <a:schemeClr val="tx1"/>
+            </a:fontRef>
+          </p:style>
+        </p:cxnSp>
+        <p:cxnSp>
+          <p:nvCxnSpPr>
+            <p:cNvPr id="25" name="Straight Connector 24">
+              <a:extLst>
+                <a:ext uri="{FF2B5EF4-FFF2-40B4-BE49-F238E27FC236}">
+                  <a16:creationId xmlns:a16="http://schemas.microsoft.com/office/drawing/2014/main" id="{54D869D4-48F2-445E-ADB3-1BBCA425F4C9}"/>
+                </a:ext>
+              </a:extLst>
+            </p:cNvPr>
+            <p:cNvCxnSpPr/>
+            <p:nvPr/>
+          </p:nvCxnSpPr>
+          <p:spPr>
+            <a:xfrm>
+              <a:off x="8384297" y="2466667"/>
+              <a:ext cx="0" cy="258097"/>
+            </a:xfrm>
+            <a:prstGeom prst="line">
+              <a:avLst/>
+            </a:prstGeom>
+            <a:ln w="15875">
+              <a:solidFill>
+                <a:schemeClr val="tx1"/>
+              </a:solidFill>
+            </a:ln>
+          </p:spPr>
+          <p:style>
+            <a:lnRef idx="1">
+              <a:schemeClr val="accent1"/>
+            </a:lnRef>
+            <a:fillRef idx="0">
+              <a:schemeClr val="accent1"/>
+            </a:fillRef>
+            <a:effectRef idx="0">
+              <a:schemeClr val="accent1"/>
+            </a:effectRef>
+            <a:fontRef idx="minor">
+              <a:schemeClr val="tx1"/>
+            </a:fontRef>
+          </p:style>
+        </p:cxnSp>
+        <p:cxnSp>
+          <p:nvCxnSpPr>
+            <p:cNvPr id="26" name="Straight Connector 25">
+              <a:extLst>
+                <a:ext uri="{FF2B5EF4-FFF2-40B4-BE49-F238E27FC236}">
+                  <a16:creationId xmlns:a16="http://schemas.microsoft.com/office/drawing/2014/main" id="{68AFEE0D-8EEC-4C57-8F9F-1A11C140453E}"/>
+                </a:ext>
+              </a:extLst>
+            </p:cNvPr>
+            <p:cNvCxnSpPr/>
+            <p:nvPr/>
+          </p:nvCxnSpPr>
+          <p:spPr>
+            <a:xfrm>
+              <a:off x="8800930" y="2466667"/>
+              <a:ext cx="0" cy="258097"/>
+            </a:xfrm>
+            <a:prstGeom prst="line">
+              <a:avLst/>
+            </a:prstGeom>
+            <a:ln w="15875">
+              <a:solidFill>
+                <a:schemeClr val="tx1"/>
+              </a:solidFill>
+            </a:ln>
+          </p:spPr>
+          <p:style>
+            <a:lnRef idx="1">
+              <a:schemeClr val="accent1"/>
+            </a:lnRef>
+            <a:fillRef idx="0">
+              <a:schemeClr val="accent1"/>
+            </a:fillRef>
+            <a:effectRef idx="0">
+              <a:schemeClr val="accent1"/>
+            </a:effectRef>
+            <a:fontRef idx="minor">
+              <a:schemeClr val="tx1"/>
+            </a:fontRef>
+          </p:style>
+        </p:cxnSp>
+        <p:cxnSp>
+          <p:nvCxnSpPr>
+            <p:cNvPr id="27" name="Straight Connector 26">
+              <a:extLst>
+                <a:ext uri="{FF2B5EF4-FFF2-40B4-BE49-F238E27FC236}">
+                  <a16:creationId xmlns:a16="http://schemas.microsoft.com/office/drawing/2014/main" id="{56DE0527-0F92-45E7-9D4A-50C9885FC7D9}"/>
+                </a:ext>
+              </a:extLst>
+            </p:cNvPr>
+            <p:cNvCxnSpPr/>
+            <p:nvPr/>
+          </p:nvCxnSpPr>
+          <p:spPr>
+            <a:xfrm>
+              <a:off x="9217563" y="2466667"/>
+              <a:ext cx="0" cy="258097"/>
+            </a:xfrm>
+            <a:prstGeom prst="line">
+              <a:avLst/>
+            </a:prstGeom>
+            <a:ln w="15875">
+              <a:solidFill>
+                <a:schemeClr val="tx1"/>
+              </a:solidFill>
+            </a:ln>
+          </p:spPr>
+          <p:style>
+            <a:lnRef idx="1">
+              <a:schemeClr val="accent1"/>
+            </a:lnRef>
+            <a:fillRef idx="0">
+              <a:schemeClr val="accent1"/>
+            </a:fillRef>
+            <a:effectRef idx="0">
+              <a:schemeClr val="accent1"/>
+            </a:effectRef>
+            <a:fontRef idx="minor">
+              <a:schemeClr val="tx1"/>
+            </a:fontRef>
+          </p:style>
+        </p:cxnSp>
+        <p:cxnSp>
+          <p:nvCxnSpPr>
+            <p:cNvPr id="28" name="Straight Connector 27">
+              <a:extLst>
+                <a:ext uri="{FF2B5EF4-FFF2-40B4-BE49-F238E27FC236}">
+                  <a16:creationId xmlns:a16="http://schemas.microsoft.com/office/drawing/2014/main" id="{C4DA0C7E-2539-4D7D-B51F-93B832D913A8}"/>
+                </a:ext>
+              </a:extLst>
+            </p:cNvPr>
+            <p:cNvCxnSpPr/>
+            <p:nvPr/>
+          </p:nvCxnSpPr>
+          <p:spPr>
+            <a:xfrm>
+              <a:off x="9634196" y="2466667"/>
+              <a:ext cx="0" cy="258097"/>
+            </a:xfrm>
+            <a:prstGeom prst="line">
+              <a:avLst/>
+            </a:prstGeom>
+            <a:ln w="15875">
+              <a:solidFill>
+                <a:schemeClr val="tx1"/>
+              </a:solidFill>
+            </a:ln>
+          </p:spPr>
+          <p:style>
+            <a:lnRef idx="1">
+              <a:schemeClr val="accent1"/>
+            </a:lnRef>
+            <a:fillRef idx="0">
+              <a:schemeClr val="accent1"/>
+            </a:fillRef>
+            <a:effectRef idx="0">
+              <a:schemeClr val="accent1"/>
+            </a:effectRef>
+            <a:fontRef idx="minor">
+              <a:schemeClr val="tx1"/>
+            </a:fontRef>
+          </p:style>
+        </p:cxnSp>
+        <p:cxnSp>
+          <p:nvCxnSpPr>
+            <p:cNvPr id="29" name="Straight Connector 28">
+              <a:extLst>
+                <a:ext uri="{FF2B5EF4-FFF2-40B4-BE49-F238E27FC236}">
+                  <a16:creationId xmlns:a16="http://schemas.microsoft.com/office/drawing/2014/main" id="{D555400E-76BB-438F-8D01-835B555A3679}"/>
+                </a:ext>
+              </a:extLst>
+            </p:cNvPr>
+            <p:cNvCxnSpPr/>
+            <p:nvPr/>
+          </p:nvCxnSpPr>
+          <p:spPr>
+            <a:xfrm>
+              <a:off x="10050834" y="2466667"/>
+              <a:ext cx="0" cy="258097"/>
+            </a:xfrm>
+            <a:prstGeom prst="line">
+              <a:avLst/>
+            </a:prstGeom>
+            <a:ln w="15875">
+              <a:solidFill>
+                <a:schemeClr val="tx1"/>
+              </a:solidFill>
+            </a:ln>
+          </p:spPr>
+          <p:style>
+            <a:lnRef idx="1">
+              <a:schemeClr val="accent1"/>
+            </a:lnRef>
+            <a:fillRef idx="0">
+              <a:schemeClr val="accent1"/>
+            </a:fillRef>
+            <a:effectRef idx="0">
+              <a:schemeClr val="accent1"/>
+            </a:effectRef>
+            <a:fontRef idx="minor">
+              <a:schemeClr val="tx1"/>
+            </a:fontRef>
+          </p:style>
+        </p:cxnSp>
+      </p:grpSp>
+      <p:sp>
+        <p:nvSpPr>
+          <p:cNvPr id="30" name="TextBox 29">
+            <a:extLst>
+              <a:ext uri="{FF2B5EF4-FFF2-40B4-BE49-F238E27FC236}">
+                <a16:creationId xmlns:a16="http://schemas.microsoft.com/office/drawing/2014/main" id="{E5FA9DA2-A46C-4090-A28D-7F81AE194111}"/>
+              </a:ext>
+            </a:extLst>
+          </p:cNvPr>
+          <p:cNvSpPr txBox="1"/>
+          <p:nvPr/>
+        </p:nvSpPr>
+        <p:spPr>
+          <a:xfrm>
+            <a:off x="1159371" y="1325218"/>
+            <a:ext cx="8494505" cy="369332"/>
+          </a:xfrm>
+          <a:prstGeom prst="rect">
+            <a:avLst/>
+          </a:prstGeom>
+          <a:noFill/>
+        </p:spPr>
+        <p:txBody>
+          <a:bodyPr wrap="square" rtlCol="0">
+            <a:spAutoFit/>
           </a:bodyPr>
           <a:lstStyle/>
           <a:p>
             <a:r>
               <a:rPr lang="en-US" dirty="0"/>
-              <a:t>Lowest level type is a 128-bit modified “tick” datatype.  Absolute type is unsigned, relative type is signed.</a:t>
-            </a:r>
-          </a:p>
+              <a:t>TAI – International Atomic Time – count of attoseconds from the Big Bang</a:t>
+            </a:r>
+          </a:p>
+        </p:txBody>
+      </p:sp>
+      <p:sp>
+        <p:nvSpPr>
+          <p:cNvPr id="32" name="TextBox 31">
+            <a:extLst>
+              <a:ext uri="{FF2B5EF4-FFF2-40B4-BE49-F238E27FC236}">
+                <a16:creationId xmlns:a16="http://schemas.microsoft.com/office/drawing/2014/main" id="{79C2002E-E86E-4BBF-954D-D9B63C3253A5}"/>
+              </a:ext>
+            </a:extLst>
+          </p:cNvPr>
+          <p:cNvSpPr txBox="1"/>
+          <p:nvPr/>
+        </p:nvSpPr>
+        <p:spPr>
+          <a:xfrm>
+            <a:off x="635112" y="2223798"/>
+            <a:ext cx="282783" cy="369332"/>
+          </a:xfrm>
+          <a:prstGeom prst="rect">
+            <a:avLst/>
+          </a:prstGeom>
+          <a:noFill/>
+        </p:spPr>
+        <p:txBody>
+          <a:bodyPr wrap="square" rtlCol="0">
+            <a:spAutoFit/>
+          </a:bodyPr>
+          <a:lstStyle/>
           <a:p>
             <a:r>
               <a:rPr lang="en-US" dirty="0"/>
-              <a:t>Second level type is </a:t>
-            </a:r>
-            <a:r>
-              <a:rPr lang="en-US" dirty="0" err="1"/>
-              <a:t>UTCDatetime</a:t>
-            </a:r>
+              <a:t>0</a:t>
+            </a:r>
+          </a:p>
+        </p:txBody>
+      </p:sp>
+      <p:sp>
+        <p:nvSpPr>
+          <p:cNvPr id="33" name="TextBox 32">
+            <a:extLst>
+              <a:ext uri="{FF2B5EF4-FFF2-40B4-BE49-F238E27FC236}">
+                <a16:creationId xmlns:a16="http://schemas.microsoft.com/office/drawing/2014/main" id="{8B34CECE-9923-4A03-A724-7B5E745A015D}"/>
+              </a:ext>
+            </a:extLst>
+          </p:cNvPr>
+          <p:cNvSpPr txBox="1"/>
+          <p:nvPr/>
+        </p:nvSpPr>
+        <p:spPr>
+          <a:xfrm>
+            <a:off x="1045447" y="2223798"/>
+            <a:ext cx="282783" cy="369332"/>
+          </a:xfrm>
+          <a:prstGeom prst="rect">
+            <a:avLst/>
+          </a:prstGeom>
+          <a:noFill/>
+        </p:spPr>
+        <p:txBody>
+          <a:bodyPr wrap="square" rtlCol="0">
+            <a:spAutoFit/>
+          </a:bodyPr>
+          <a:lstStyle/>
+          <a:p>
             <a:r>
               <a:rPr lang="en-US" dirty="0"/>
-              <a:t> (**** Insert French word ****)</a:t>
-            </a:r>
-          </a:p>
+              <a:t>1</a:t>
+            </a:r>
+          </a:p>
+        </p:txBody>
+      </p:sp>
+      <p:sp>
+        <p:nvSpPr>
+          <p:cNvPr id="34" name="TextBox 33">
+            <a:extLst>
+              <a:ext uri="{FF2B5EF4-FFF2-40B4-BE49-F238E27FC236}">
+                <a16:creationId xmlns:a16="http://schemas.microsoft.com/office/drawing/2014/main" id="{D6AC73E5-F915-4FAE-B8EC-FD7F0461F24C}"/>
+              </a:ext>
+            </a:extLst>
+          </p:cNvPr>
+          <p:cNvSpPr txBox="1"/>
+          <p:nvPr/>
+        </p:nvSpPr>
+        <p:spPr>
+          <a:xfrm>
+            <a:off x="1470933" y="2223798"/>
+            <a:ext cx="282783" cy="369332"/>
+          </a:xfrm>
+          <a:prstGeom prst="rect">
+            <a:avLst/>
+          </a:prstGeom>
+          <a:noFill/>
+        </p:spPr>
+        <p:txBody>
+          <a:bodyPr wrap="square" rtlCol="0">
+            <a:spAutoFit/>
+          </a:bodyPr>
+          <a:lstStyle/>
           <a:p>
             <a:r>
               <a:rPr lang="en-US" dirty="0"/>
-              <a:t>Highest level type is </a:t>
-            </a:r>
-            <a:r>
-              <a:rPr lang="en-US" dirty="0" err="1"/>
-              <a:t>LocalDatetime</a:t>
-            </a:r>
-            <a:endParaRPr lang="en-US" dirty="0"/>
-          </a:p>
+              <a:t>2</a:t>
+            </a:r>
+          </a:p>
+        </p:txBody>
+      </p:sp>
+      <p:sp>
+        <p:nvSpPr>
+          <p:cNvPr id="35" name="TextBox 34">
+            <a:extLst>
+              <a:ext uri="{FF2B5EF4-FFF2-40B4-BE49-F238E27FC236}">
+                <a16:creationId xmlns:a16="http://schemas.microsoft.com/office/drawing/2014/main" id="{80B75EB8-5EEC-48E8-BBD7-32C642ECA97E}"/>
+              </a:ext>
+            </a:extLst>
+          </p:cNvPr>
+          <p:cNvSpPr txBox="1"/>
+          <p:nvPr/>
+        </p:nvSpPr>
+        <p:spPr>
+          <a:xfrm>
+            <a:off x="1893824" y="2223798"/>
+            <a:ext cx="282783" cy="369332"/>
+          </a:xfrm>
+          <a:prstGeom prst="rect">
+            <a:avLst/>
+          </a:prstGeom>
+          <a:noFill/>
+        </p:spPr>
+        <p:txBody>
+          <a:bodyPr wrap="square" rtlCol="0">
+            <a:spAutoFit/>
+          </a:bodyPr>
+          <a:lstStyle/>
           <a:p>
             <a:r>
               <a:rPr lang="en-US" dirty="0"/>
-              <a:t>Robust UncertainFloat64 datatype, including precision and uncertainty with arithmetic and comparison operators provided</a:t>
-            </a:r>
-          </a:p>
+              <a:t>3</a:t>
+            </a:r>
+          </a:p>
+        </p:txBody>
+      </p:sp>
+      <p:sp>
+        <p:nvSpPr>
+          <p:cNvPr id="36" name="TextBox 35">
+            <a:extLst>
+              <a:ext uri="{FF2B5EF4-FFF2-40B4-BE49-F238E27FC236}">
+                <a16:creationId xmlns:a16="http://schemas.microsoft.com/office/drawing/2014/main" id="{3EACA22C-25CF-482C-A959-866A55FFF2BC}"/>
+              </a:ext>
+            </a:extLst>
+          </p:cNvPr>
+          <p:cNvSpPr txBox="1"/>
+          <p:nvPr/>
+        </p:nvSpPr>
+        <p:spPr>
+          <a:xfrm>
+            <a:off x="2297881" y="2223798"/>
+            <a:ext cx="282783" cy="369332"/>
+          </a:xfrm>
+          <a:prstGeom prst="rect">
+            <a:avLst/>
+          </a:prstGeom>
+          <a:noFill/>
+        </p:spPr>
+        <p:txBody>
+          <a:bodyPr wrap="square" rtlCol="0">
+            <a:spAutoFit/>
+          </a:bodyPr>
+          <a:lstStyle/>
           <a:p>
             <a:r>
               <a:rPr lang="en-US" dirty="0"/>
-              <a:t>Currently implemented as two Julia modules</a:t>
-            </a:r>
-          </a:p>
+              <a:t>4</a:t>
+            </a:r>
+          </a:p>
+        </p:txBody>
+      </p:sp>
+      <p:sp>
+        <p:nvSpPr>
+          <p:cNvPr id="37" name="TextBox 36">
+            <a:extLst>
+              <a:ext uri="{FF2B5EF4-FFF2-40B4-BE49-F238E27FC236}">
+                <a16:creationId xmlns:a16="http://schemas.microsoft.com/office/drawing/2014/main" id="{1BD0F058-C4BA-4BA5-9188-1B43E355907D}"/>
+              </a:ext>
+            </a:extLst>
+          </p:cNvPr>
+          <p:cNvSpPr txBox="1"/>
+          <p:nvPr/>
+        </p:nvSpPr>
+        <p:spPr>
+          <a:xfrm>
+            <a:off x="2716093" y="2223798"/>
+            <a:ext cx="282783" cy="369332"/>
+          </a:xfrm>
+          <a:prstGeom prst="rect">
+            <a:avLst/>
+          </a:prstGeom>
+          <a:noFill/>
+        </p:spPr>
+        <p:txBody>
+          <a:bodyPr wrap="square" rtlCol="0">
+            <a:spAutoFit/>
+          </a:bodyPr>
+          <a:lstStyle/>
           <a:p>
             <a:r>
               <a:rPr lang="en-US" dirty="0"/>
-              <a:t>Julia used to preprocess IANA data files, instead of the C implementation provided with the data files</a:t>
-            </a:r>
-          </a:p>
+              <a:t>5</a:t>
+            </a:r>
+          </a:p>
+        </p:txBody>
+      </p:sp>
+      <p:sp>
+        <p:nvSpPr>
+          <p:cNvPr id="38" name="TextBox 37">
+            <a:extLst>
+              <a:ext uri="{FF2B5EF4-FFF2-40B4-BE49-F238E27FC236}">
+                <a16:creationId xmlns:a16="http://schemas.microsoft.com/office/drawing/2014/main" id="{3ED1A449-ACFA-4B73-BEE2-1EE295D8ED27}"/>
+              </a:ext>
+            </a:extLst>
+          </p:cNvPr>
+          <p:cNvSpPr txBox="1"/>
+          <p:nvPr/>
+        </p:nvSpPr>
+        <p:spPr>
+          <a:xfrm rot="360000">
+            <a:off x="6438063" y="2346528"/>
+            <a:ext cx="2870348" cy="230832"/>
+          </a:xfrm>
+          <a:prstGeom prst="rect">
+            <a:avLst/>
+          </a:prstGeom>
+          <a:noFill/>
+        </p:spPr>
+        <p:txBody>
+          <a:bodyPr wrap="square" rtlCol="0">
+            <a:spAutoFit/>
+          </a:bodyPr>
+          <a:lstStyle/>
+          <a:p>
+            <a:r>
+              <a:rPr lang="en-US" sz="900" dirty="0"/>
+              <a:t>436,320,212,430,660,337,000,000,000,000,000,000</a:t>
+            </a:r>
+          </a:p>
+        </p:txBody>
+      </p:sp>
+      <p:grpSp>
+        <p:nvGrpSpPr>
+          <p:cNvPr id="39" name="Group 38">
+            <a:extLst>
+              <a:ext uri="{FF2B5EF4-FFF2-40B4-BE49-F238E27FC236}">
+                <a16:creationId xmlns:a16="http://schemas.microsoft.com/office/drawing/2014/main" id="{29FACDA8-CF6E-4B95-8DF0-838855104742}"/>
+              </a:ext>
+            </a:extLst>
+          </p:cNvPr>
+          <p:cNvGrpSpPr/>
+          <p:nvPr/>
+        </p:nvGrpSpPr>
+        <p:grpSpPr>
+          <a:xfrm>
+            <a:off x="770569" y="3346524"/>
+            <a:ext cx="9556955" cy="258097"/>
+            <a:chOff x="870155" y="2466667"/>
+            <a:chExt cx="9556955" cy="258097"/>
+          </a:xfrm>
+        </p:grpSpPr>
+        <p:cxnSp>
+          <p:nvCxnSpPr>
+            <p:cNvPr id="40" name="Straight Arrow Connector 39">
+              <a:extLst>
+                <a:ext uri="{FF2B5EF4-FFF2-40B4-BE49-F238E27FC236}">
+                  <a16:creationId xmlns:a16="http://schemas.microsoft.com/office/drawing/2014/main" id="{F5DC7244-7EAC-4EE6-B4FA-AE186486500A}"/>
+                </a:ext>
+              </a:extLst>
+            </p:cNvPr>
+            <p:cNvCxnSpPr/>
+            <p:nvPr/>
+          </p:nvCxnSpPr>
+          <p:spPr>
+            <a:xfrm>
+              <a:off x="870155" y="2595716"/>
+              <a:ext cx="9556955" cy="0"/>
+            </a:xfrm>
+            <a:prstGeom prst="straightConnector1">
+              <a:avLst/>
+            </a:prstGeom>
+            <a:ln w="25400">
+              <a:solidFill>
+                <a:schemeClr val="tx1"/>
+              </a:solidFill>
+              <a:tailEnd type="triangle" w="lg" len="lg"/>
+            </a:ln>
+          </p:spPr>
+          <p:style>
+            <a:lnRef idx="1">
+              <a:schemeClr val="accent1"/>
+            </a:lnRef>
+            <a:fillRef idx="0">
+              <a:schemeClr val="accent1"/>
+            </a:fillRef>
+            <a:effectRef idx="0">
+              <a:schemeClr val="accent1"/>
+            </a:effectRef>
+            <a:fontRef idx="minor">
+              <a:schemeClr val="tx1"/>
+            </a:fontRef>
+          </p:style>
+        </p:cxnSp>
+        <p:cxnSp>
+          <p:nvCxnSpPr>
+            <p:cNvPr id="41" name="Straight Connector 40">
+              <a:extLst>
+                <a:ext uri="{FF2B5EF4-FFF2-40B4-BE49-F238E27FC236}">
+                  <a16:creationId xmlns:a16="http://schemas.microsoft.com/office/drawing/2014/main" id="{0AF16CCF-1D9C-442A-B115-97EF910AD8BA}"/>
+                </a:ext>
+              </a:extLst>
+            </p:cNvPr>
+            <p:cNvCxnSpPr/>
+            <p:nvPr/>
+          </p:nvCxnSpPr>
+          <p:spPr>
+            <a:xfrm>
+              <a:off x="884903" y="2466667"/>
+              <a:ext cx="0" cy="258097"/>
+            </a:xfrm>
+            <a:prstGeom prst="line">
+              <a:avLst/>
+            </a:prstGeom>
+            <a:ln w="15875">
+              <a:solidFill>
+                <a:schemeClr val="tx1"/>
+              </a:solidFill>
+            </a:ln>
+          </p:spPr>
+          <p:style>
+            <a:lnRef idx="1">
+              <a:schemeClr val="accent1"/>
+            </a:lnRef>
+            <a:fillRef idx="0">
+              <a:schemeClr val="accent1"/>
+            </a:fillRef>
+            <a:effectRef idx="0">
+              <a:schemeClr val="accent1"/>
+            </a:effectRef>
+            <a:fontRef idx="minor">
+              <a:schemeClr val="tx1"/>
+            </a:fontRef>
+          </p:style>
+        </p:cxnSp>
+        <p:cxnSp>
+          <p:nvCxnSpPr>
+            <p:cNvPr id="42" name="Straight Connector 41">
+              <a:extLst>
+                <a:ext uri="{FF2B5EF4-FFF2-40B4-BE49-F238E27FC236}">
+                  <a16:creationId xmlns:a16="http://schemas.microsoft.com/office/drawing/2014/main" id="{1DF8D2FD-DA7D-4680-A40B-DEAAA47AD60C}"/>
+                </a:ext>
+              </a:extLst>
+            </p:cNvPr>
+            <p:cNvCxnSpPr/>
+            <p:nvPr/>
+          </p:nvCxnSpPr>
+          <p:spPr>
+            <a:xfrm>
+              <a:off x="1301536" y="2466667"/>
+              <a:ext cx="0" cy="258097"/>
+            </a:xfrm>
+            <a:prstGeom prst="line">
+              <a:avLst/>
+            </a:prstGeom>
+            <a:ln w="15875">
+              <a:solidFill>
+                <a:schemeClr val="tx1"/>
+              </a:solidFill>
+            </a:ln>
+          </p:spPr>
+          <p:style>
+            <a:lnRef idx="1">
+              <a:schemeClr val="accent1"/>
+            </a:lnRef>
+            <a:fillRef idx="0">
+              <a:schemeClr val="accent1"/>
+            </a:fillRef>
+            <a:effectRef idx="0">
+              <a:schemeClr val="accent1"/>
+            </a:effectRef>
+            <a:fontRef idx="minor">
+              <a:schemeClr val="tx1"/>
+            </a:fontRef>
+          </p:style>
+        </p:cxnSp>
+        <p:cxnSp>
+          <p:nvCxnSpPr>
+            <p:cNvPr id="43" name="Straight Connector 42">
+              <a:extLst>
+                <a:ext uri="{FF2B5EF4-FFF2-40B4-BE49-F238E27FC236}">
+                  <a16:creationId xmlns:a16="http://schemas.microsoft.com/office/drawing/2014/main" id="{F036388C-5730-4130-9307-957B70748615}"/>
+                </a:ext>
+              </a:extLst>
+            </p:cNvPr>
+            <p:cNvCxnSpPr/>
+            <p:nvPr/>
+          </p:nvCxnSpPr>
+          <p:spPr>
+            <a:xfrm>
+              <a:off x="1718169" y="2466667"/>
+              <a:ext cx="0" cy="258097"/>
+            </a:xfrm>
+            <a:prstGeom prst="line">
+              <a:avLst/>
+            </a:prstGeom>
+            <a:ln w="15875">
+              <a:solidFill>
+                <a:schemeClr val="tx1"/>
+              </a:solidFill>
+            </a:ln>
+          </p:spPr>
+          <p:style>
+            <a:lnRef idx="1">
+              <a:schemeClr val="accent1"/>
+            </a:lnRef>
+            <a:fillRef idx="0">
+              <a:schemeClr val="accent1"/>
+            </a:fillRef>
+            <a:effectRef idx="0">
+              <a:schemeClr val="accent1"/>
+            </a:effectRef>
+            <a:fontRef idx="minor">
+              <a:schemeClr val="tx1"/>
+            </a:fontRef>
+          </p:style>
+        </p:cxnSp>
+        <p:cxnSp>
+          <p:nvCxnSpPr>
+            <p:cNvPr id="44" name="Straight Connector 43">
+              <a:extLst>
+                <a:ext uri="{FF2B5EF4-FFF2-40B4-BE49-F238E27FC236}">
+                  <a16:creationId xmlns:a16="http://schemas.microsoft.com/office/drawing/2014/main" id="{2E764866-86EB-4AC0-8796-51C485D0E38A}"/>
+                </a:ext>
+              </a:extLst>
+            </p:cNvPr>
+            <p:cNvCxnSpPr/>
+            <p:nvPr/>
+          </p:nvCxnSpPr>
+          <p:spPr>
+            <a:xfrm>
+              <a:off x="2134802" y="2466667"/>
+              <a:ext cx="0" cy="258097"/>
+            </a:xfrm>
+            <a:prstGeom prst="line">
+              <a:avLst/>
+            </a:prstGeom>
+            <a:ln w="15875">
+              <a:solidFill>
+                <a:schemeClr val="tx1"/>
+              </a:solidFill>
+            </a:ln>
+          </p:spPr>
+          <p:style>
+            <a:lnRef idx="1">
+              <a:schemeClr val="accent1"/>
+            </a:lnRef>
+            <a:fillRef idx="0">
+              <a:schemeClr val="accent1"/>
+            </a:fillRef>
+            <a:effectRef idx="0">
+              <a:schemeClr val="accent1"/>
+            </a:effectRef>
+            <a:fontRef idx="minor">
+              <a:schemeClr val="tx1"/>
+            </a:fontRef>
+          </p:style>
+        </p:cxnSp>
+        <p:cxnSp>
+          <p:nvCxnSpPr>
+            <p:cNvPr id="45" name="Straight Connector 44">
+              <a:extLst>
+                <a:ext uri="{FF2B5EF4-FFF2-40B4-BE49-F238E27FC236}">
+                  <a16:creationId xmlns:a16="http://schemas.microsoft.com/office/drawing/2014/main" id="{00894116-3DEB-4FFD-9CA6-8C1FA72A7EB4}"/>
+                </a:ext>
+              </a:extLst>
+            </p:cNvPr>
+            <p:cNvCxnSpPr/>
+            <p:nvPr/>
+          </p:nvCxnSpPr>
+          <p:spPr>
+            <a:xfrm>
+              <a:off x="2551435" y="2466667"/>
+              <a:ext cx="0" cy="258097"/>
+            </a:xfrm>
+            <a:prstGeom prst="line">
+              <a:avLst/>
+            </a:prstGeom>
+            <a:ln w="15875">
+              <a:solidFill>
+                <a:schemeClr val="tx1"/>
+              </a:solidFill>
+            </a:ln>
+          </p:spPr>
+          <p:style>
+            <a:lnRef idx="1">
+              <a:schemeClr val="accent1"/>
+            </a:lnRef>
+            <a:fillRef idx="0">
+              <a:schemeClr val="accent1"/>
+            </a:fillRef>
+            <a:effectRef idx="0">
+              <a:schemeClr val="accent1"/>
+            </a:effectRef>
+            <a:fontRef idx="minor">
+              <a:schemeClr val="tx1"/>
+            </a:fontRef>
+          </p:style>
+        </p:cxnSp>
+        <p:cxnSp>
+          <p:nvCxnSpPr>
+            <p:cNvPr id="46" name="Straight Connector 45">
+              <a:extLst>
+                <a:ext uri="{FF2B5EF4-FFF2-40B4-BE49-F238E27FC236}">
+                  <a16:creationId xmlns:a16="http://schemas.microsoft.com/office/drawing/2014/main" id="{F734CE5A-C472-496E-901F-AD3B3A4FA763}"/>
+                </a:ext>
+              </a:extLst>
+            </p:cNvPr>
+            <p:cNvCxnSpPr/>
+            <p:nvPr/>
+          </p:nvCxnSpPr>
+          <p:spPr>
+            <a:xfrm>
+              <a:off x="2968068" y="2466667"/>
+              <a:ext cx="0" cy="258097"/>
+            </a:xfrm>
+            <a:prstGeom prst="line">
+              <a:avLst/>
+            </a:prstGeom>
+            <a:ln w="15875">
+              <a:solidFill>
+                <a:schemeClr val="tx1"/>
+              </a:solidFill>
+            </a:ln>
+          </p:spPr>
+          <p:style>
+            <a:lnRef idx="1">
+              <a:schemeClr val="accent1"/>
+            </a:lnRef>
+            <a:fillRef idx="0">
+              <a:schemeClr val="accent1"/>
+            </a:fillRef>
+            <a:effectRef idx="0">
+              <a:schemeClr val="accent1"/>
+            </a:effectRef>
+            <a:fontRef idx="minor">
+              <a:schemeClr val="tx1"/>
+            </a:fontRef>
+          </p:style>
+        </p:cxnSp>
+        <p:cxnSp>
+          <p:nvCxnSpPr>
+            <p:cNvPr id="47" name="Straight Connector 46">
+              <a:extLst>
+                <a:ext uri="{FF2B5EF4-FFF2-40B4-BE49-F238E27FC236}">
+                  <a16:creationId xmlns:a16="http://schemas.microsoft.com/office/drawing/2014/main" id="{9A22C580-1BAE-40CB-8801-C4305C5CB8D9}"/>
+                </a:ext>
+              </a:extLst>
+            </p:cNvPr>
+            <p:cNvCxnSpPr/>
+            <p:nvPr/>
+          </p:nvCxnSpPr>
+          <p:spPr>
+            <a:xfrm>
+              <a:off x="3384701" y="2466667"/>
+              <a:ext cx="0" cy="258097"/>
+            </a:xfrm>
+            <a:prstGeom prst="line">
+              <a:avLst/>
+            </a:prstGeom>
+            <a:ln w="15875">
+              <a:solidFill>
+                <a:schemeClr val="tx1"/>
+              </a:solidFill>
+            </a:ln>
+          </p:spPr>
+          <p:style>
+            <a:lnRef idx="1">
+              <a:schemeClr val="accent1"/>
+            </a:lnRef>
+            <a:fillRef idx="0">
+              <a:schemeClr val="accent1"/>
+            </a:fillRef>
+            <a:effectRef idx="0">
+              <a:schemeClr val="accent1"/>
+            </a:effectRef>
+            <a:fontRef idx="minor">
+              <a:schemeClr val="tx1"/>
+            </a:fontRef>
+          </p:style>
+        </p:cxnSp>
+        <p:cxnSp>
+          <p:nvCxnSpPr>
+            <p:cNvPr id="48" name="Straight Connector 47">
+              <a:extLst>
+                <a:ext uri="{FF2B5EF4-FFF2-40B4-BE49-F238E27FC236}">
+                  <a16:creationId xmlns:a16="http://schemas.microsoft.com/office/drawing/2014/main" id="{E2F84A34-98BF-409D-B8F8-908540ACC239}"/>
+                </a:ext>
+              </a:extLst>
+            </p:cNvPr>
+            <p:cNvCxnSpPr/>
+            <p:nvPr/>
+          </p:nvCxnSpPr>
+          <p:spPr>
+            <a:xfrm>
+              <a:off x="3801334" y="2466667"/>
+              <a:ext cx="0" cy="258097"/>
+            </a:xfrm>
+            <a:prstGeom prst="line">
+              <a:avLst/>
+            </a:prstGeom>
+            <a:ln w="15875">
+              <a:solidFill>
+                <a:schemeClr val="tx1"/>
+              </a:solidFill>
+            </a:ln>
+          </p:spPr>
+          <p:style>
+            <a:lnRef idx="1">
+              <a:schemeClr val="accent1"/>
+            </a:lnRef>
+            <a:fillRef idx="0">
+              <a:schemeClr val="accent1"/>
+            </a:fillRef>
+            <a:effectRef idx="0">
+              <a:schemeClr val="accent1"/>
+            </a:effectRef>
+            <a:fontRef idx="minor">
+              <a:schemeClr val="tx1"/>
+            </a:fontRef>
+          </p:style>
+        </p:cxnSp>
+        <p:cxnSp>
+          <p:nvCxnSpPr>
+            <p:cNvPr id="49" name="Straight Connector 48">
+              <a:extLst>
+                <a:ext uri="{FF2B5EF4-FFF2-40B4-BE49-F238E27FC236}">
+                  <a16:creationId xmlns:a16="http://schemas.microsoft.com/office/drawing/2014/main" id="{F4829D49-DC04-42A7-BDF0-5B0C89224F29}"/>
+                </a:ext>
+              </a:extLst>
+            </p:cNvPr>
+            <p:cNvCxnSpPr/>
+            <p:nvPr/>
+          </p:nvCxnSpPr>
+          <p:spPr>
+            <a:xfrm>
+              <a:off x="4217967" y="2466667"/>
+              <a:ext cx="0" cy="258097"/>
+            </a:xfrm>
+            <a:prstGeom prst="line">
+              <a:avLst/>
+            </a:prstGeom>
+            <a:ln w="15875">
+              <a:solidFill>
+                <a:schemeClr val="tx1"/>
+              </a:solidFill>
+            </a:ln>
+          </p:spPr>
+          <p:style>
+            <a:lnRef idx="1">
+              <a:schemeClr val="accent1"/>
+            </a:lnRef>
+            <a:fillRef idx="0">
+              <a:schemeClr val="accent1"/>
+            </a:fillRef>
+            <a:effectRef idx="0">
+              <a:schemeClr val="accent1"/>
+            </a:effectRef>
+            <a:fontRef idx="minor">
+              <a:schemeClr val="tx1"/>
+            </a:fontRef>
+          </p:style>
+        </p:cxnSp>
+        <p:cxnSp>
+          <p:nvCxnSpPr>
+            <p:cNvPr id="50" name="Straight Connector 49">
+              <a:extLst>
+                <a:ext uri="{FF2B5EF4-FFF2-40B4-BE49-F238E27FC236}">
+                  <a16:creationId xmlns:a16="http://schemas.microsoft.com/office/drawing/2014/main" id="{37BEB873-C120-464B-A920-FA35972AB35E}"/>
+                </a:ext>
+              </a:extLst>
+            </p:cNvPr>
+            <p:cNvCxnSpPr/>
+            <p:nvPr/>
+          </p:nvCxnSpPr>
+          <p:spPr>
+            <a:xfrm>
+              <a:off x="4634600" y="2466667"/>
+              <a:ext cx="0" cy="258097"/>
+            </a:xfrm>
+            <a:prstGeom prst="line">
+              <a:avLst/>
+            </a:prstGeom>
+            <a:ln w="15875">
+              <a:solidFill>
+                <a:schemeClr val="tx1"/>
+              </a:solidFill>
+            </a:ln>
+          </p:spPr>
+          <p:style>
+            <a:lnRef idx="1">
+              <a:schemeClr val="accent1"/>
+            </a:lnRef>
+            <a:fillRef idx="0">
+              <a:schemeClr val="accent1"/>
+            </a:fillRef>
+            <a:effectRef idx="0">
+              <a:schemeClr val="accent1"/>
+            </a:effectRef>
+            <a:fontRef idx="minor">
+              <a:schemeClr val="tx1"/>
+            </a:fontRef>
+          </p:style>
+        </p:cxnSp>
+        <p:cxnSp>
+          <p:nvCxnSpPr>
+            <p:cNvPr id="51" name="Straight Connector 50">
+              <a:extLst>
+                <a:ext uri="{FF2B5EF4-FFF2-40B4-BE49-F238E27FC236}">
+                  <a16:creationId xmlns:a16="http://schemas.microsoft.com/office/drawing/2014/main" id="{05AA284D-F03A-4E3D-BD52-1F5234AACE8A}"/>
+                </a:ext>
+              </a:extLst>
+            </p:cNvPr>
+            <p:cNvCxnSpPr/>
+            <p:nvPr/>
+          </p:nvCxnSpPr>
+          <p:spPr>
+            <a:xfrm>
+              <a:off x="5051233" y="2466667"/>
+              <a:ext cx="0" cy="258097"/>
+            </a:xfrm>
+            <a:prstGeom prst="line">
+              <a:avLst/>
+            </a:prstGeom>
+            <a:ln w="15875">
+              <a:solidFill>
+                <a:schemeClr val="tx1"/>
+              </a:solidFill>
+            </a:ln>
+          </p:spPr>
+          <p:style>
+            <a:lnRef idx="1">
+              <a:schemeClr val="accent1"/>
+            </a:lnRef>
+            <a:fillRef idx="0">
+              <a:schemeClr val="accent1"/>
+            </a:fillRef>
+            <a:effectRef idx="0">
+              <a:schemeClr val="accent1"/>
+            </a:effectRef>
+            <a:fontRef idx="minor">
+              <a:schemeClr val="tx1"/>
+            </a:fontRef>
+          </p:style>
+        </p:cxnSp>
+        <p:cxnSp>
+          <p:nvCxnSpPr>
+            <p:cNvPr id="52" name="Straight Connector 51">
+              <a:extLst>
+                <a:ext uri="{FF2B5EF4-FFF2-40B4-BE49-F238E27FC236}">
+                  <a16:creationId xmlns:a16="http://schemas.microsoft.com/office/drawing/2014/main" id="{94C78D99-3D80-4289-9FE0-270BFF8BEAE2}"/>
+                </a:ext>
+              </a:extLst>
+            </p:cNvPr>
+            <p:cNvCxnSpPr/>
+            <p:nvPr/>
+          </p:nvCxnSpPr>
+          <p:spPr>
+            <a:xfrm>
+              <a:off x="5467866" y="2466667"/>
+              <a:ext cx="0" cy="258097"/>
+            </a:xfrm>
+            <a:prstGeom prst="line">
+              <a:avLst/>
+            </a:prstGeom>
+            <a:ln w="15875">
+              <a:solidFill>
+                <a:schemeClr val="tx1"/>
+              </a:solidFill>
+            </a:ln>
+          </p:spPr>
+          <p:style>
+            <a:lnRef idx="1">
+              <a:schemeClr val="accent1"/>
+            </a:lnRef>
+            <a:fillRef idx="0">
+              <a:schemeClr val="accent1"/>
+            </a:fillRef>
+            <a:effectRef idx="0">
+              <a:schemeClr val="accent1"/>
+            </a:effectRef>
+            <a:fontRef idx="minor">
+              <a:schemeClr val="tx1"/>
+            </a:fontRef>
+          </p:style>
+        </p:cxnSp>
+        <p:cxnSp>
+          <p:nvCxnSpPr>
+            <p:cNvPr id="53" name="Straight Connector 52">
+              <a:extLst>
+                <a:ext uri="{FF2B5EF4-FFF2-40B4-BE49-F238E27FC236}">
+                  <a16:creationId xmlns:a16="http://schemas.microsoft.com/office/drawing/2014/main" id="{088B4751-DEDF-4FEC-815A-2DB776A2B389}"/>
+                </a:ext>
+              </a:extLst>
+            </p:cNvPr>
+            <p:cNvCxnSpPr/>
+            <p:nvPr/>
+          </p:nvCxnSpPr>
+          <p:spPr>
+            <a:xfrm>
+              <a:off x="5884499" y="2466667"/>
+              <a:ext cx="0" cy="258097"/>
+            </a:xfrm>
+            <a:prstGeom prst="line">
+              <a:avLst/>
+            </a:prstGeom>
+            <a:ln w="15875">
+              <a:solidFill>
+                <a:schemeClr val="tx1"/>
+              </a:solidFill>
+            </a:ln>
+          </p:spPr>
+          <p:style>
+            <a:lnRef idx="1">
+              <a:schemeClr val="accent1"/>
+            </a:lnRef>
+            <a:fillRef idx="0">
+              <a:schemeClr val="accent1"/>
+            </a:fillRef>
+            <a:effectRef idx="0">
+              <a:schemeClr val="accent1"/>
+            </a:effectRef>
+            <a:fontRef idx="minor">
+              <a:schemeClr val="tx1"/>
+            </a:fontRef>
+          </p:style>
+        </p:cxnSp>
+        <p:cxnSp>
+          <p:nvCxnSpPr>
+            <p:cNvPr id="54" name="Straight Connector 53">
+              <a:extLst>
+                <a:ext uri="{FF2B5EF4-FFF2-40B4-BE49-F238E27FC236}">
+                  <a16:creationId xmlns:a16="http://schemas.microsoft.com/office/drawing/2014/main" id="{FE6B93E5-93ED-43BF-BDCB-0553DB6EA36A}"/>
+                </a:ext>
+              </a:extLst>
+            </p:cNvPr>
+            <p:cNvCxnSpPr/>
+            <p:nvPr/>
+          </p:nvCxnSpPr>
+          <p:spPr>
+            <a:xfrm>
+              <a:off x="6301132" y="2466667"/>
+              <a:ext cx="0" cy="258097"/>
+            </a:xfrm>
+            <a:prstGeom prst="line">
+              <a:avLst/>
+            </a:prstGeom>
+            <a:ln w="15875">
+              <a:solidFill>
+                <a:schemeClr val="tx1"/>
+              </a:solidFill>
+            </a:ln>
+          </p:spPr>
+          <p:style>
+            <a:lnRef idx="1">
+              <a:schemeClr val="accent1"/>
+            </a:lnRef>
+            <a:fillRef idx="0">
+              <a:schemeClr val="accent1"/>
+            </a:fillRef>
+            <a:effectRef idx="0">
+              <a:schemeClr val="accent1"/>
+            </a:effectRef>
+            <a:fontRef idx="minor">
+              <a:schemeClr val="tx1"/>
+            </a:fontRef>
+          </p:style>
+        </p:cxnSp>
+        <p:cxnSp>
+          <p:nvCxnSpPr>
+            <p:cNvPr id="55" name="Straight Connector 54">
+              <a:extLst>
+                <a:ext uri="{FF2B5EF4-FFF2-40B4-BE49-F238E27FC236}">
+                  <a16:creationId xmlns:a16="http://schemas.microsoft.com/office/drawing/2014/main" id="{543F6F26-B8B8-4D04-87BB-F27E83A408D8}"/>
+                </a:ext>
+              </a:extLst>
+            </p:cNvPr>
+            <p:cNvCxnSpPr/>
+            <p:nvPr/>
+          </p:nvCxnSpPr>
+          <p:spPr>
+            <a:xfrm>
+              <a:off x="6717765" y="2466667"/>
+              <a:ext cx="0" cy="258097"/>
+            </a:xfrm>
+            <a:prstGeom prst="line">
+              <a:avLst/>
+            </a:prstGeom>
+            <a:ln w="15875">
+              <a:solidFill>
+                <a:schemeClr val="tx1"/>
+              </a:solidFill>
+            </a:ln>
+          </p:spPr>
+          <p:style>
+            <a:lnRef idx="1">
+              <a:schemeClr val="accent1"/>
+            </a:lnRef>
+            <a:fillRef idx="0">
+              <a:schemeClr val="accent1"/>
+            </a:fillRef>
+            <a:effectRef idx="0">
+              <a:schemeClr val="accent1"/>
+            </a:effectRef>
+            <a:fontRef idx="minor">
+              <a:schemeClr val="tx1"/>
+            </a:fontRef>
+          </p:style>
+        </p:cxnSp>
+        <p:cxnSp>
+          <p:nvCxnSpPr>
+            <p:cNvPr id="56" name="Straight Connector 55">
+              <a:extLst>
+                <a:ext uri="{FF2B5EF4-FFF2-40B4-BE49-F238E27FC236}">
+                  <a16:creationId xmlns:a16="http://schemas.microsoft.com/office/drawing/2014/main" id="{2CF326B0-0E11-432E-83C7-208ABCDA9CF8}"/>
+                </a:ext>
+              </a:extLst>
+            </p:cNvPr>
+            <p:cNvCxnSpPr/>
+            <p:nvPr/>
+          </p:nvCxnSpPr>
+          <p:spPr>
+            <a:xfrm>
+              <a:off x="7134398" y="2466667"/>
+              <a:ext cx="0" cy="258097"/>
+            </a:xfrm>
+            <a:prstGeom prst="line">
+              <a:avLst/>
+            </a:prstGeom>
+            <a:ln w="15875">
+              <a:solidFill>
+                <a:schemeClr val="tx1"/>
+              </a:solidFill>
+            </a:ln>
+          </p:spPr>
+          <p:style>
+            <a:lnRef idx="1">
+              <a:schemeClr val="accent1"/>
+            </a:lnRef>
+            <a:fillRef idx="0">
+              <a:schemeClr val="accent1"/>
+            </a:fillRef>
+            <a:effectRef idx="0">
+              <a:schemeClr val="accent1"/>
+            </a:effectRef>
+            <a:fontRef idx="minor">
+              <a:schemeClr val="tx1"/>
+            </a:fontRef>
+          </p:style>
+        </p:cxnSp>
+        <p:cxnSp>
+          <p:nvCxnSpPr>
+            <p:cNvPr id="57" name="Straight Connector 56">
+              <a:extLst>
+                <a:ext uri="{FF2B5EF4-FFF2-40B4-BE49-F238E27FC236}">
+                  <a16:creationId xmlns:a16="http://schemas.microsoft.com/office/drawing/2014/main" id="{52905262-89EA-40E8-8614-C000454B6A40}"/>
+                </a:ext>
+              </a:extLst>
+            </p:cNvPr>
+            <p:cNvCxnSpPr/>
+            <p:nvPr/>
+          </p:nvCxnSpPr>
+          <p:spPr>
+            <a:xfrm>
+              <a:off x="7551031" y="2466667"/>
+              <a:ext cx="0" cy="258097"/>
+            </a:xfrm>
+            <a:prstGeom prst="line">
+              <a:avLst/>
+            </a:prstGeom>
+            <a:ln w="15875">
+              <a:solidFill>
+                <a:schemeClr val="tx1"/>
+              </a:solidFill>
+            </a:ln>
+          </p:spPr>
+          <p:style>
+            <a:lnRef idx="1">
+              <a:schemeClr val="accent1"/>
+            </a:lnRef>
+            <a:fillRef idx="0">
+              <a:schemeClr val="accent1"/>
+            </a:fillRef>
+            <a:effectRef idx="0">
+              <a:schemeClr val="accent1"/>
+            </a:effectRef>
+            <a:fontRef idx="minor">
+              <a:schemeClr val="tx1"/>
+            </a:fontRef>
+          </p:style>
+        </p:cxnSp>
+        <p:cxnSp>
+          <p:nvCxnSpPr>
+            <p:cNvPr id="58" name="Straight Connector 57">
+              <a:extLst>
+                <a:ext uri="{FF2B5EF4-FFF2-40B4-BE49-F238E27FC236}">
+                  <a16:creationId xmlns:a16="http://schemas.microsoft.com/office/drawing/2014/main" id="{79E9FC13-C08E-4F5E-9446-5595588D7560}"/>
+                </a:ext>
+              </a:extLst>
+            </p:cNvPr>
+            <p:cNvCxnSpPr/>
+            <p:nvPr/>
+          </p:nvCxnSpPr>
+          <p:spPr>
+            <a:xfrm>
+              <a:off x="7967664" y="2466667"/>
+              <a:ext cx="0" cy="258097"/>
+            </a:xfrm>
+            <a:prstGeom prst="line">
+              <a:avLst/>
+            </a:prstGeom>
+            <a:ln w="15875">
+              <a:solidFill>
+                <a:schemeClr val="tx1"/>
+              </a:solidFill>
+            </a:ln>
+          </p:spPr>
+          <p:style>
+            <a:lnRef idx="1">
+              <a:schemeClr val="accent1"/>
+            </a:lnRef>
+            <a:fillRef idx="0">
+              <a:schemeClr val="accent1"/>
+            </a:fillRef>
+            <a:effectRef idx="0">
+              <a:schemeClr val="accent1"/>
+            </a:effectRef>
+            <a:fontRef idx="minor">
+              <a:schemeClr val="tx1"/>
+            </a:fontRef>
+          </p:style>
+        </p:cxnSp>
+        <p:cxnSp>
+          <p:nvCxnSpPr>
+            <p:cNvPr id="59" name="Straight Connector 58">
+              <a:extLst>
+                <a:ext uri="{FF2B5EF4-FFF2-40B4-BE49-F238E27FC236}">
+                  <a16:creationId xmlns:a16="http://schemas.microsoft.com/office/drawing/2014/main" id="{EADC3628-844E-4289-9332-51B1F97CC91A}"/>
+                </a:ext>
+              </a:extLst>
+            </p:cNvPr>
+            <p:cNvCxnSpPr/>
+            <p:nvPr/>
+          </p:nvCxnSpPr>
+          <p:spPr>
+            <a:xfrm>
+              <a:off x="8384297" y="2466667"/>
+              <a:ext cx="0" cy="258097"/>
+            </a:xfrm>
+            <a:prstGeom prst="line">
+              <a:avLst/>
+            </a:prstGeom>
+            <a:ln w="15875">
+              <a:solidFill>
+                <a:schemeClr val="tx1"/>
+              </a:solidFill>
+            </a:ln>
+          </p:spPr>
+          <p:style>
+            <a:lnRef idx="1">
+              <a:schemeClr val="accent1"/>
+            </a:lnRef>
+            <a:fillRef idx="0">
+              <a:schemeClr val="accent1"/>
+            </a:fillRef>
+            <a:effectRef idx="0">
+              <a:schemeClr val="accent1"/>
+            </a:effectRef>
+            <a:fontRef idx="minor">
+              <a:schemeClr val="tx1"/>
+            </a:fontRef>
+          </p:style>
+        </p:cxnSp>
+        <p:cxnSp>
+          <p:nvCxnSpPr>
+            <p:cNvPr id="60" name="Straight Connector 59">
+              <a:extLst>
+                <a:ext uri="{FF2B5EF4-FFF2-40B4-BE49-F238E27FC236}">
+                  <a16:creationId xmlns:a16="http://schemas.microsoft.com/office/drawing/2014/main" id="{9B6C7188-55BF-4002-889A-B74DF67D1578}"/>
+                </a:ext>
+              </a:extLst>
+            </p:cNvPr>
+            <p:cNvCxnSpPr/>
+            <p:nvPr/>
+          </p:nvCxnSpPr>
+          <p:spPr>
+            <a:xfrm>
+              <a:off x="8800930" y="2466667"/>
+              <a:ext cx="0" cy="258097"/>
+            </a:xfrm>
+            <a:prstGeom prst="line">
+              <a:avLst/>
+            </a:prstGeom>
+            <a:ln w="15875">
+              <a:solidFill>
+                <a:schemeClr val="tx1"/>
+              </a:solidFill>
+            </a:ln>
+          </p:spPr>
+          <p:style>
+            <a:lnRef idx="1">
+              <a:schemeClr val="accent1"/>
+            </a:lnRef>
+            <a:fillRef idx="0">
+              <a:schemeClr val="accent1"/>
+            </a:fillRef>
+            <a:effectRef idx="0">
+              <a:schemeClr val="accent1"/>
+            </a:effectRef>
+            <a:fontRef idx="minor">
+              <a:schemeClr val="tx1"/>
+            </a:fontRef>
+          </p:style>
+        </p:cxnSp>
+        <p:cxnSp>
+          <p:nvCxnSpPr>
+            <p:cNvPr id="61" name="Straight Connector 60">
+              <a:extLst>
+                <a:ext uri="{FF2B5EF4-FFF2-40B4-BE49-F238E27FC236}">
+                  <a16:creationId xmlns:a16="http://schemas.microsoft.com/office/drawing/2014/main" id="{E36B18F4-277E-4BB8-9591-895C84B4870D}"/>
+                </a:ext>
+              </a:extLst>
+            </p:cNvPr>
+            <p:cNvCxnSpPr/>
+            <p:nvPr/>
+          </p:nvCxnSpPr>
+          <p:spPr>
+            <a:xfrm>
+              <a:off x="9217563" y="2466667"/>
+              <a:ext cx="0" cy="258097"/>
+            </a:xfrm>
+            <a:prstGeom prst="line">
+              <a:avLst/>
+            </a:prstGeom>
+            <a:ln w="15875">
+              <a:solidFill>
+                <a:schemeClr val="tx1"/>
+              </a:solidFill>
+            </a:ln>
+          </p:spPr>
+          <p:style>
+            <a:lnRef idx="1">
+              <a:schemeClr val="accent1"/>
+            </a:lnRef>
+            <a:fillRef idx="0">
+              <a:schemeClr val="accent1"/>
+            </a:fillRef>
+            <a:effectRef idx="0">
+              <a:schemeClr val="accent1"/>
+            </a:effectRef>
+            <a:fontRef idx="minor">
+              <a:schemeClr val="tx1"/>
+            </a:fontRef>
+          </p:style>
+        </p:cxnSp>
+        <p:cxnSp>
+          <p:nvCxnSpPr>
+            <p:cNvPr id="62" name="Straight Connector 61">
+              <a:extLst>
+                <a:ext uri="{FF2B5EF4-FFF2-40B4-BE49-F238E27FC236}">
+                  <a16:creationId xmlns:a16="http://schemas.microsoft.com/office/drawing/2014/main" id="{52AC1A16-A2C9-41ED-B17B-EA885633A50B}"/>
+                </a:ext>
+              </a:extLst>
+            </p:cNvPr>
+            <p:cNvCxnSpPr/>
+            <p:nvPr/>
+          </p:nvCxnSpPr>
+          <p:spPr>
+            <a:xfrm>
+              <a:off x="9634196" y="2466667"/>
+              <a:ext cx="0" cy="258097"/>
+            </a:xfrm>
+            <a:prstGeom prst="line">
+              <a:avLst/>
+            </a:prstGeom>
+            <a:ln w="15875">
+              <a:solidFill>
+                <a:schemeClr val="tx1"/>
+              </a:solidFill>
+            </a:ln>
+          </p:spPr>
+          <p:style>
+            <a:lnRef idx="1">
+              <a:schemeClr val="accent1"/>
+            </a:lnRef>
+            <a:fillRef idx="0">
+              <a:schemeClr val="accent1"/>
+            </a:fillRef>
+            <a:effectRef idx="0">
+              <a:schemeClr val="accent1"/>
+            </a:effectRef>
+            <a:fontRef idx="minor">
+              <a:schemeClr val="tx1"/>
+            </a:fontRef>
+          </p:style>
+        </p:cxnSp>
+        <p:cxnSp>
+          <p:nvCxnSpPr>
+            <p:cNvPr id="63" name="Straight Connector 62">
+              <a:extLst>
+                <a:ext uri="{FF2B5EF4-FFF2-40B4-BE49-F238E27FC236}">
+                  <a16:creationId xmlns:a16="http://schemas.microsoft.com/office/drawing/2014/main" id="{3FC97926-61B6-4079-AA1A-6045593696B2}"/>
+                </a:ext>
+              </a:extLst>
+            </p:cNvPr>
+            <p:cNvCxnSpPr/>
+            <p:nvPr/>
+          </p:nvCxnSpPr>
+          <p:spPr>
+            <a:xfrm>
+              <a:off x="10050834" y="2466667"/>
+              <a:ext cx="0" cy="258097"/>
+            </a:xfrm>
+            <a:prstGeom prst="line">
+              <a:avLst/>
+            </a:prstGeom>
+            <a:ln w="15875">
+              <a:solidFill>
+                <a:schemeClr val="tx1"/>
+              </a:solidFill>
+            </a:ln>
+          </p:spPr>
+          <p:style>
+            <a:lnRef idx="1">
+              <a:schemeClr val="accent1"/>
+            </a:lnRef>
+            <a:fillRef idx="0">
+              <a:schemeClr val="accent1"/>
+            </a:fillRef>
+            <a:effectRef idx="0">
+              <a:schemeClr val="accent1"/>
+            </a:effectRef>
+            <a:fontRef idx="minor">
+              <a:schemeClr val="tx1"/>
+            </a:fontRef>
+          </p:style>
+        </p:cxnSp>
+      </p:grpSp>
+      <p:sp>
+        <p:nvSpPr>
+          <p:cNvPr id="89" name="TextBox 88">
+            <a:extLst>
+              <a:ext uri="{FF2B5EF4-FFF2-40B4-BE49-F238E27FC236}">
+                <a16:creationId xmlns:a16="http://schemas.microsoft.com/office/drawing/2014/main" id="{2D55B0BF-590C-4C90-86D7-B09ED8AC6C53}"/>
+              </a:ext>
+            </a:extLst>
+          </p:cNvPr>
+          <p:cNvSpPr txBox="1"/>
+          <p:nvPr/>
+        </p:nvSpPr>
+        <p:spPr>
+          <a:xfrm rot="360000">
+            <a:off x="4825414" y="2419729"/>
+            <a:ext cx="2863214" cy="230832"/>
+          </a:xfrm>
+          <a:prstGeom prst="rect">
+            <a:avLst/>
+          </a:prstGeom>
+          <a:noFill/>
+        </p:spPr>
+        <p:txBody>
+          <a:bodyPr wrap="square" rtlCol="0">
+            <a:spAutoFit/>
+          </a:bodyPr>
+          <a:lstStyle/>
+          <a:p>
+            <a:r>
+              <a:rPr lang="en-US" sz="900" dirty="0"/>
+              <a:t>436,320,210,929,832,010,000,000,000,000,000,000</a:t>
+            </a:r>
+          </a:p>
+        </p:txBody>
+      </p:sp>
+      <p:sp>
+        <p:nvSpPr>
+          <p:cNvPr id="90" name="TextBox 89">
+            <a:extLst>
+              <a:ext uri="{FF2B5EF4-FFF2-40B4-BE49-F238E27FC236}">
+                <a16:creationId xmlns:a16="http://schemas.microsoft.com/office/drawing/2014/main" id="{4A764EBB-95AC-4560-853B-2D06050D81DF}"/>
+              </a:ext>
+            </a:extLst>
+          </p:cNvPr>
+          <p:cNvSpPr txBox="1"/>
+          <p:nvPr/>
+        </p:nvSpPr>
+        <p:spPr>
+          <a:xfrm>
+            <a:off x="3374513" y="2883589"/>
+            <a:ext cx="4113582" cy="369332"/>
+          </a:xfrm>
+          <a:prstGeom prst="rect">
+            <a:avLst/>
+          </a:prstGeom>
+          <a:noFill/>
+        </p:spPr>
+        <p:txBody>
+          <a:bodyPr wrap="square" rtlCol="0">
+            <a:spAutoFit/>
+          </a:bodyPr>
+          <a:lstStyle/>
           <a:p>
             <a:r>
               <a:rPr lang="en-US" dirty="0"/>
-              <a:t>IANA disk-based time zone files replaced by in-memory structs, initialized upon loading, eliminating the need for any files beyond the shared libraries</a:t>
-            </a:r>
-          </a:p>
+              <a:t>UTC – Coordinated Universal Time</a:t>
+            </a:r>
+          </a:p>
+        </p:txBody>
+      </p:sp>
+      <p:sp>
+        <p:nvSpPr>
+          <p:cNvPr id="92" name="TextBox 91">
+            <a:extLst>
+              <a:ext uri="{FF2B5EF4-FFF2-40B4-BE49-F238E27FC236}">
+                <a16:creationId xmlns:a16="http://schemas.microsoft.com/office/drawing/2014/main" id="{F68E3FCD-D08F-404F-B724-B53B1807ACC4}"/>
+              </a:ext>
+            </a:extLst>
+          </p:cNvPr>
+          <p:cNvSpPr txBox="1"/>
+          <p:nvPr/>
+        </p:nvSpPr>
+        <p:spPr>
+          <a:xfrm rot="341450">
+            <a:off x="649065" y="3774966"/>
+            <a:ext cx="3755154" cy="246221"/>
+          </a:xfrm>
+          <a:prstGeom prst="rect">
+            <a:avLst/>
+          </a:prstGeom>
+          <a:noFill/>
+        </p:spPr>
+        <p:txBody>
+          <a:bodyPr wrap="square" rtlCol="0">
+            <a:spAutoFit/>
+          </a:bodyPr>
+          <a:lstStyle/>
+          <a:p>
+            <a:r>
+              <a:rPr lang="en-US" sz="1000" dirty="0"/>
+              <a:t>25-Dec-13,826,151,189 BCE 12:00:00.000000000 000000000</a:t>
+            </a:r>
+          </a:p>
+        </p:txBody>
+      </p:sp>
+      <p:sp>
+        <p:nvSpPr>
+          <p:cNvPr id="93" name="TextBox 92">
+            <a:extLst>
+              <a:ext uri="{FF2B5EF4-FFF2-40B4-BE49-F238E27FC236}">
+                <a16:creationId xmlns:a16="http://schemas.microsoft.com/office/drawing/2014/main" id="{1CE19D39-E962-4B32-BE94-CEE1DCAF714E}"/>
+              </a:ext>
+            </a:extLst>
+          </p:cNvPr>
+          <p:cNvSpPr txBox="1"/>
+          <p:nvPr/>
+        </p:nvSpPr>
+        <p:spPr>
+          <a:xfrm rot="341450">
+            <a:off x="4776570" y="3791264"/>
+            <a:ext cx="2753469" cy="246221"/>
+          </a:xfrm>
+          <a:prstGeom prst="rect">
+            <a:avLst/>
+          </a:prstGeom>
+          <a:noFill/>
+        </p:spPr>
+        <p:txBody>
+          <a:bodyPr wrap="square" rtlCol="0">
+            <a:spAutoFit/>
+          </a:bodyPr>
+          <a:lstStyle/>
+          <a:p>
+            <a:r>
+              <a:rPr lang="en-US" sz="1000" dirty="0"/>
+              <a:t>1-Jan-1972 00:00:00.000000000 000000000</a:t>
+            </a:r>
+          </a:p>
+        </p:txBody>
+      </p:sp>
+      <p:sp>
+        <p:nvSpPr>
+          <p:cNvPr id="94" name="TextBox 93">
+            <a:extLst>
+              <a:ext uri="{FF2B5EF4-FFF2-40B4-BE49-F238E27FC236}">
+                <a16:creationId xmlns:a16="http://schemas.microsoft.com/office/drawing/2014/main" id="{DB34341D-926C-4960-ABFA-817131B4F1BF}"/>
+              </a:ext>
+            </a:extLst>
+          </p:cNvPr>
+          <p:cNvSpPr txBox="1"/>
+          <p:nvPr/>
+        </p:nvSpPr>
+        <p:spPr>
+          <a:xfrm rot="341450">
+            <a:off x="6404633" y="3793903"/>
+            <a:ext cx="3755154" cy="246221"/>
+          </a:xfrm>
+          <a:prstGeom prst="rect">
+            <a:avLst/>
+          </a:prstGeom>
+          <a:noFill/>
+        </p:spPr>
+        <p:txBody>
+          <a:bodyPr wrap="square" rtlCol="0">
+            <a:spAutoFit/>
+          </a:bodyPr>
+          <a:lstStyle/>
+          <a:p>
+            <a:r>
+              <a:rPr lang="en-US" sz="1000" dirty="0"/>
+              <a:t>23-Jul-2019 16:45:00.000000000 000000000</a:t>
+            </a:r>
+          </a:p>
+        </p:txBody>
+      </p:sp>
+      <p:grpSp>
+        <p:nvGrpSpPr>
+          <p:cNvPr id="95" name="Group 94">
+            <a:extLst>
+              <a:ext uri="{FF2B5EF4-FFF2-40B4-BE49-F238E27FC236}">
+                <a16:creationId xmlns:a16="http://schemas.microsoft.com/office/drawing/2014/main" id="{6886E5BB-10F1-45D7-9662-97E0FFF752BA}"/>
+              </a:ext>
+            </a:extLst>
+          </p:cNvPr>
+          <p:cNvGrpSpPr/>
+          <p:nvPr/>
+        </p:nvGrpSpPr>
+        <p:grpSpPr>
+          <a:xfrm>
+            <a:off x="770569" y="4853314"/>
+            <a:ext cx="9556955" cy="258097"/>
+            <a:chOff x="870155" y="2466667"/>
+            <a:chExt cx="9556955" cy="258097"/>
+          </a:xfrm>
+        </p:grpSpPr>
+        <p:cxnSp>
+          <p:nvCxnSpPr>
+            <p:cNvPr id="96" name="Straight Arrow Connector 95">
+              <a:extLst>
+                <a:ext uri="{FF2B5EF4-FFF2-40B4-BE49-F238E27FC236}">
+                  <a16:creationId xmlns:a16="http://schemas.microsoft.com/office/drawing/2014/main" id="{4144A966-CBA5-4AF0-9344-D1CB6A139A28}"/>
+                </a:ext>
+              </a:extLst>
+            </p:cNvPr>
+            <p:cNvCxnSpPr/>
+            <p:nvPr/>
+          </p:nvCxnSpPr>
+          <p:spPr>
+            <a:xfrm>
+              <a:off x="870155" y="2595716"/>
+              <a:ext cx="9556955" cy="0"/>
+            </a:xfrm>
+            <a:prstGeom prst="straightConnector1">
+              <a:avLst/>
+            </a:prstGeom>
+            <a:ln w="25400">
+              <a:solidFill>
+                <a:schemeClr val="tx1"/>
+              </a:solidFill>
+              <a:tailEnd type="triangle" w="lg" len="lg"/>
+            </a:ln>
+          </p:spPr>
+          <p:style>
+            <a:lnRef idx="1">
+              <a:schemeClr val="accent1"/>
+            </a:lnRef>
+            <a:fillRef idx="0">
+              <a:schemeClr val="accent1"/>
+            </a:fillRef>
+            <a:effectRef idx="0">
+              <a:schemeClr val="accent1"/>
+            </a:effectRef>
+            <a:fontRef idx="minor">
+              <a:schemeClr val="tx1"/>
+            </a:fontRef>
+          </p:style>
+        </p:cxnSp>
+        <p:cxnSp>
+          <p:nvCxnSpPr>
+            <p:cNvPr id="97" name="Straight Connector 96">
+              <a:extLst>
+                <a:ext uri="{FF2B5EF4-FFF2-40B4-BE49-F238E27FC236}">
+                  <a16:creationId xmlns:a16="http://schemas.microsoft.com/office/drawing/2014/main" id="{D1BBA1CB-1569-4A90-9251-41A8B68F7B39}"/>
+                </a:ext>
+              </a:extLst>
+            </p:cNvPr>
+            <p:cNvCxnSpPr/>
+            <p:nvPr/>
+          </p:nvCxnSpPr>
+          <p:spPr>
+            <a:xfrm>
+              <a:off x="884903" y="2466667"/>
+              <a:ext cx="0" cy="258097"/>
+            </a:xfrm>
+            <a:prstGeom prst="line">
+              <a:avLst/>
+            </a:prstGeom>
+            <a:ln w="15875">
+              <a:solidFill>
+                <a:schemeClr val="tx1"/>
+              </a:solidFill>
+            </a:ln>
+          </p:spPr>
+          <p:style>
+            <a:lnRef idx="1">
+              <a:schemeClr val="accent1"/>
+            </a:lnRef>
+            <a:fillRef idx="0">
+              <a:schemeClr val="accent1"/>
+            </a:fillRef>
+            <a:effectRef idx="0">
+              <a:schemeClr val="accent1"/>
+            </a:effectRef>
+            <a:fontRef idx="minor">
+              <a:schemeClr val="tx1"/>
+            </a:fontRef>
+          </p:style>
+        </p:cxnSp>
+        <p:cxnSp>
+          <p:nvCxnSpPr>
+            <p:cNvPr id="98" name="Straight Connector 97">
+              <a:extLst>
+                <a:ext uri="{FF2B5EF4-FFF2-40B4-BE49-F238E27FC236}">
+                  <a16:creationId xmlns:a16="http://schemas.microsoft.com/office/drawing/2014/main" id="{C4733528-6397-408F-89D0-E55549978964}"/>
+                </a:ext>
+              </a:extLst>
+            </p:cNvPr>
+            <p:cNvCxnSpPr/>
+            <p:nvPr/>
+          </p:nvCxnSpPr>
+          <p:spPr>
+            <a:xfrm>
+              <a:off x="1301536" y="2466667"/>
+              <a:ext cx="0" cy="258097"/>
+            </a:xfrm>
+            <a:prstGeom prst="line">
+              <a:avLst/>
+            </a:prstGeom>
+            <a:ln w="15875">
+              <a:solidFill>
+                <a:schemeClr val="tx1"/>
+              </a:solidFill>
+            </a:ln>
+          </p:spPr>
+          <p:style>
+            <a:lnRef idx="1">
+              <a:schemeClr val="accent1"/>
+            </a:lnRef>
+            <a:fillRef idx="0">
+              <a:schemeClr val="accent1"/>
+            </a:fillRef>
+            <a:effectRef idx="0">
+              <a:schemeClr val="accent1"/>
+            </a:effectRef>
+            <a:fontRef idx="minor">
+              <a:schemeClr val="tx1"/>
+            </a:fontRef>
+          </p:style>
+        </p:cxnSp>
+        <p:cxnSp>
+          <p:nvCxnSpPr>
+            <p:cNvPr id="99" name="Straight Connector 98">
+              <a:extLst>
+                <a:ext uri="{FF2B5EF4-FFF2-40B4-BE49-F238E27FC236}">
+                  <a16:creationId xmlns:a16="http://schemas.microsoft.com/office/drawing/2014/main" id="{B4304DF1-D094-4565-BA2B-51384CCC162B}"/>
+                </a:ext>
+              </a:extLst>
+            </p:cNvPr>
+            <p:cNvCxnSpPr/>
+            <p:nvPr/>
+          </p:nvCxnSpPr>
+          <p:spPr>
+            <a:xfrm>
+              <a:off x="1718169" y="2466667"/>
+              <a:ext cx="0" cy="258097"/>
+            </a:xfrm>
+            <a:prstGeom prst="line">
+              <a:avLst/>
+            </a:prstGeom>
+            <a:ln w="15875">
+              <a:solidFill>
+                <a:schemeClr val="tx1"/>
+              </a:solidFill>
+            </a:ln>
+          </p:spPr>
+          <p:style>
+            <a:lnRef idx="1">
+              <a:schemeClr val="accent1"/>
+            </a:lnRef>
+            <a:fillRef idx="0">
+              <a:schemeClr val="accent1"/>
+            </a:fillRef>
+            <a:effectRef idx="0">
+              <a:schemeClr val="accent1"/>
+            </a:effectRef>
+            <a:fontRef idx="minor">
+              <a:schemeClr val="tx1"/>
+            </a:fontRef>
+          </p:style>
+        </p:cxnSp>
+        <p:cxnSp>
+          <p:nvCxnSpPr>
+            <p:cNvPr id="100" name="Straight Connector 99">
+              <a:extLst>
+                <a:ext uri="{FF2B5EF4-FFF2-40B4-BE49-F238E27FC236}">
+                  <a16:creationId xmlns:a16="http://schemas.microsoft.com/office/drawing/2014/main" id="{E8BFDB69-77A6-448B-8E2A-A595A4E4DD6F}"/>
+                </a:ext>
+              </a:extLst>
+            </p:cNvPr>
+            <p:cNvCxnSpPr/>
+            <p:nvPr/>
+          </p:nvCxnSpPr>
+          <p:spPr>
+            <a:xfrm>
+              <a:off x="2134802" y="2466667"/>
+              <a:ext cx="0" cy="258097"/>
+            </a:xfrm>
+            <a:prstGeom prst="line">
+              <a:avLst/>
+            </a:prstGeom>
+            <a:ln w="15875">
+              <a:solidFill>
+                <a:schemeClr val="tx1"/>
+              </a:solidFill>
+            </a:ln>
+          </p:spPr>
+          <p:style>
+            <a:lnRef idx="1">
+              <a:schemeClr val="accent1"/>
+            </a:lnRef>
+            <a:fillRef idx="0">
+              <a:schemeClr val="accent1"/>
+            </a:fillRef>
+            <a:effectRef idx="0">
+              <a:schemeClr val="accent1"/>
+            </a:effectRef>
+            <a:fontRef idx="minor">
+              <a:schemeClr val="tx1"/>
+            </a:fontRef>
+          </p:style>
+        </p:cxnSp>
+        <p:cxnSp>
+          <p:nvCxnSpPr>
+            <p:cNvPr id="101" name="Straight Connector 100">
+              <a:extLst>
+                <a:ext uri="{FF2B5EF4-FFF2-40B4-BE49-F238E27FC236}">
+                  <a16:creationId xmlns:a16="http://schemas.microsoft.com/office/drawing/2014/main" id="{049DEFB9-B199-4650-B994-D42FE10B16C0}"/>
+                </a:ext>
+              </a:extLst>
+            </p:cNvPr>
+            <p:cNvCxnSpPr/>
+            <p:nvPr/>
+          </p:nvCxnSpPr>
+          <p:spPr>
+            <a:xfrm>
+              <a:off x="2551435" y="2466667"/>
+              <a:ext cx="0" cy="258097"/>
+            </a:xfrm>
+            <a:prstGeom prst="line">
+              <a:avLst/>
+            </a:prstGeom>
+            <a:ln w="15875">
+              <a:solidFill>
+                <a:schemeClr val="tx1"/>
+              </a:solidFill>
+            </a:ln>
+          </p:spPr>
+          <p:style>
+            <a:lnRef idx="1">
+              <a:schemeClr val="accent1"/>
+            </a:lnRef>
+            <a:fillRef idx="0">
+              <a:schemeClr val="accent1"/>
+            </a:fillRef>
+            <a:effectRef idx="0">
+              <a:schemeClr val="accent1"/>
+            </a:effectRef>
+            <a:fontRef idx="minor">
+              <a:schemeClr val="tx1"/>
+            </a:fontRef>
+          </p:style>
+        </p:cxnSp>
+        <p:cxnSp>
+          <p:nvCxnSpPr>
+            <p:cNvPr id="102" name="Straight Connector 101">
+              <a:extLst>
+                <a:ext uri="{FF2B5EF4-FFF2-40B4-BE49-F238E27FC236}">
+                  <a16:creationId xmlns:a16="http://schemas.microsoft.com/office/drawing/2014/main" id="{14F056BA-5120-4B8D-9B76-ED2E6AF94C38}"/>
+                </a:ext>
+              </a:extLst>
+            </p:cNvPr>
+            <p:cNvCxnSpPr/>
+            <p:nvPr/>
+          </p:nvCxnSpPr>
+          <p:spPr>
+            <a:xfrm>
+              <a:off x="2968068" y="2466667"/>
+              <a:ext cx="0" cy="258097"/>
+            </a:xfrm>
+            <a:prstGeom prst="line">
+              <a:avLst/>
+            </a:prstGeom>
+            <a:ln w="15875">
+              <a:solidFill>
+                <a:schemeClr val="tx1"/>
+              </a:solidFill>
+            </a:ln>
+          </p:spPr>
+          <p:style>
+            <a:lnRef idx="1">
+              <a:schemeClr val="accent1"/>
+            </a:lnRef>
+            <a:fillRef idx="0">
+              <a:schemeClr val="accent1"/>
+            </a:fillRef>
+            <a:effectRef idx="0">
+              <a:schemeClr val="accent1"/>
+            </a:effectRef>
+            <a:fontRef idx="minor">
+              <a:schemeClr val="tx1"/>
+            </a:fontRef>
+          </p:style>
+        </p:cxnSp>
+        <p:cxnSp>
+          <p:nvCxnSpPr>
+            <p:cNvPr id="103" name="Straight Connector 102">
+              <a:extLst>
+                <a:ext uri="{FF2B5EF4-FFF2-40B4-BE49-F238E27FC236}">
+                  <a16:creationId xmlns:a16="http://schemas.microsoft.com/office/drawing/2014/main" id="{84013E40-353B-45E3-A1A6-9D2C4D4A1461}"/>
+                </a:ext>
+              </a:extLst>
+            </p:cNvPr>
+            <p:cNvCxnSpPr/>
+            <p:nvPr/>
+          </p:nvCxnSpPr>
+          <p:spPr>
+            <a:xfrm>
+              <a:off x="3384701" y="2466667"/>
+              <a:ext cx="0" cy="258097"/>
+            </a:xfrm>
+            <a:prstGeom prst="line">
+              <a:avLst/>
+            </a:prstGeom>
+            <a:ln w="15875">
+              <a:solidFill>
+                <a:schemeClr val="tx1"/>
+              </a:solidFill>
+            </a:ln>
+          </p:spPr>
+          <p:style>
+            <a:lnRef idx="1">
+              <a:schemeClr val="accent1"/>
+            </a:lnRef>
+            <a:fillRef idx="0">
+              <a:schemeClr val="accent1"/>
+            </a:fillRef>
+            <a:effectRef idx="0">
+              <a:schemeClr val="accent1"/>
+            </a:effectRef>
+            <a:fontRef idx="minor">
+              <a:schemeClr val="tx1"/>
+            </a:fontRef>
+          </p:style>
+        </p:cxnSp>
+        <p:cxnSp>
+          <p:nvCxnSpPr>
+            <p:cNvPr id="104" name="Straight Connector 103">
+              <a:extLst>
+                <a:ext uri="{FF2B5EF4-FFF2-40B4-BE49-F238E27FC236}">
+                  <a16:creationId xmlns:a16="http://schemas.microsoft.com/office/drawing/2014/main" id="{FD7B772A-2976-4742-B271-584FFAE69277}"/>
+                </a:ext>
+              </a:extLst>
+            </p:cNvPr>
+            <p:cNvCxnSpPr/>
+            <p:nvPr/>
+          </p:nvCxnSpPr>
+          <p:spPr>
+            <a:xfrm>
+              <a:off x="3801334" y="2466667"/>
+              <a:ext cx="0" cy="258097"/>
+            </a:xfrm>
+            <a:prstGeom prst="line">
+              <a:avLst/>
+            </a:prstGeom>
+            <a:ln w="15875">
+              <a:solidFill>
+                <a:schemeClr val="tx1"/>
+              </a:solidFill>
+            </a:ln>
+          </p:spPr>
+          <p:style>
+            <a:lnRef idx="1">
+              <a:schemeClr val="accent1"/>
+            </a:lnRef>
+            <a:fillRef idx="0">
+              <a:schemeClr val="accent1"/>
+            </a:fillRef>
+            <a:effectRef idx="0">
+              <a:schemeClr val="accent1"/>
+            </a:effectRef>
+            <a:fontRef idx="minor">
+              <a:schemeClr val="tx1"/>
+            </a:fontRef>
+          </p:style>
+        </p:cxnSp>
+        <p:cxnSp>
+          <p:nvCxnSpPr>
+            <p:cNvPr id="105" name="Straight Connector 104">
+              <a:extLst>
+                <a:ext uri="{FF2B5EF4-FFF2-40B4-BE49-F238E27FC236}">
+                  <a16:creationId xmlns:a16="http://schemas.microsoft.com/office/drawing/2014/main" id="{9DE071B4-D38C-40C3-939D-141551FD0243}"/>
+                </a:ext>
+              </a:extLst>
+            </p:cNvPr>
+            <p:cNvCxnSpPr/>
+            <p:nvPr/>
+          </p:nvCxnSpPr>
+          <p:spPr>
+            <a:xfrm>
+              <a:off x="4217967" y="2466667"/>
+              <a:ext cx="0" cy="258097"/>
+            </a:xfrm>
+            <a:prstGeom prst="line">
+              <a:avLst/>
+            </a:prstGeom>
+            <a:ln w="15875">
+              <a:solidFill>
+                <a:schemeClr val="tx1"/>
+              </a:solidFill>
+            </a:ln>
+          </p:spPr>
+          <p:style>
+            <a:lnRef idx="1">
+              <a:schemeClr val="accent1"/>
+            </a:lnRef>
+            <a:fillRef idx="0">
+              <a:schemeClr val="accent1"/>
+            </a:fillRef>
+            <a:effectRef idx="0">
+              <a:schemeClr val="accent1"/>
+            </a:effectRef>
+            <a:fontRef idx="minor">
+              <a:schemeClr val="tx1"/>
+            </a:fontRef>
+          </p:style>
+        </p:cxnSp>
+        <p:cxnSp>
+          <p:nvCxnSpPr>
+            <p:cNvPr id="106" name="Straight Connector 105">
+              <a:extLst>
+                <a:ext uri="{FF2B5EF4-FFF2-40B4-BE49-F238E27FC236}">
+                  <a16:creationId xmlns:a16="http://schemas.microsoft.com/office/drawing/2014/main" id="{C60758D7-0CCF-4AEF-B20F-8C90D9C82377}"/>
+                </a:ext>
+              </a:extLst>
+            </p:cNvPr>
+            <p:cNvCxnSpPr/>
+            <p:nvPr/>
+          </p:nvCxnSpPr>
+          <p:spPr>
+            <a:xfrm>
+              <a:off x="4634600" y="2466667"/>
+              <a:ext cx="0" cy="258097"/>
+            </a:xfrm>
+            <a:prstGeom prst="line">
+              <a:avLst/>
+            </a:prstGeom>
+            <a:ln w="15875">
+              <a:solidFill>
+                <a:schemeClr val="tx1"/>
+              </a:solidFill>
+            </a:ln>
+          </p:spPr>
+          <p:style>
+            <a:lnRef idx="1">
+              <a:schemeClr val="accent1"/>
+            </a:lnRef>
+            <a:fillRef idx="0">
+              <a:schemeClr val="accent1"/>
+            </a:fillRef>
+            <a:effectRef idx="0">
+              <a:schemeClr val="accent1"/>
+            </a:effectRef>
+            <a:fontRef idx="minor">
+              <a:schemeClr val="tx1"/>
+            </a:fontRef>
+          </p:style>
+        </p:cxnSp>
+        <p:cxnSp>
+          <p:nvCxnSpPr>
+            <p:cNvPr id="107" name="Straight Connector 106">
+              <a:extLst>
+                <a:ext uri="{FF2B5EF4-FFF2-40B4-BE49-F238E27FC236}">
+                  <a16:creationId xmlns:a16="http://schemas.microsoft.com/office/drawing/2014/main" id="{48C685F1-40D6-4581-B548-6CDCA43C6706}"/>
+                </a:ext>
+              </a:extLst>
+            </p:cNvPr>
+            <p:cNvCxnSpPr/>
+            <p:nvPr/>
+          </p:nvCxnSpPr>
+          <p:spPr>
+            <a:xfrm>
+              <a:off x="5051233" y="2466667"/>
+              <a:ext cx="0" cy="258097"/>
+            </a:xfrm>
+            <a:prstGeom prst="line">
+              <a:avLst/>
+            </a:prstGeom>
+            <a:ln w="15875">
+              <a:solidFill>
+                <a:schemeClr val="tx1"/>
+              </a:solidFill>
+            </a:ln>
+          </p:spPr>
+          <p:style>
+            <a:lnRef idx="1">
+              <a:schemeClr val="accent1"/>
+            </a:lnRef>
+            <a:fillRef idx="0">
+              <a:schemeClr val="accent1"/>
+            </a:fillRef>
+            <a:effectRef idx="0">
+              <a:schemeClr val="accent1"/>
+            </a:effectRef>
+            <a:fontRef idx="minor">
+              <a:schemeClr val="tx1"/>
+            </a:fontRef>
+          </p:style>
+        </p:cxnSp>
+        <p:cxnSp>
+          <p:nvCxnSpPr>
+            <p:cNvPr id="108" name="Straight Connector 107">
+              <a:extLst>
+                <a:ext uri="{FF2B5EF4-FFF2-40B4-BE49-F238E27FC236}">
+                  <a16:creationId xmlns:a16="http://schemas.microsoft.com/office/drawing/2014/main" id="{C1496881-5A2E-49BD-B5EA-6F89B430BE12}"/>
+                </a:ext>
+              </a:extLst>
+            </p:cNvPr>
+            <p:cNvCxnSpPr/>
+            <p:nvPr/>
+          </p:nvCxnSpPr>
+          <p:spPr>
+            <a:xfrm>
+              <a:off x="5467866" y="2466667"/>
+              <a:ext cx="0" cy="258097"/>
+            </a:xfrm>
+            <a:prstGeom prst="line">
+              <a:avLst/>
+            </a:prstGeom>
+            <a:ln w="15875">
+              <a:solidFill>
+                <a:schemeClr val="tx1"/>
+              </a:solidFill>
+            </a:ln>
+          </p:spPr>
+          <p:style>
+            <a:lnRef idx="1">
+              <a:schemeClr val="accent1"/>
+            </a:lnRef>
+            <a:fillRef idx="0">
+              <a:schemeClr val="accent1"/>
+            </a:fillRef>
+            <a:effectRef idx="0">
+              <a:schemeClr val="accent1"/>
+            </a:effectRef>
+            <a:fontRef idx="minor">
+              <a:schemeClr val="tx1"/>
+            </a:fontRef>
+          </p:style>
+        </p:cxnSp>
+        <p:cxnSp>
+          <p:nvCxnSpPr>
+            <p:cNvPr id="109" name="Straight Connector 108">
+              <a:extLst>
+                <a:ext uri="{FF2B5EF4-FFF2-40B4-BE49-F238E27FC236}">
+                  <a16:creationId xmlns:a16="http://schemas.microsoft.com/office/drawing/2014/main" id="{9E3F7023-6991-4BBF-9C3F-EBBBAB5D68B4}"/>
+                </a:ext>
+              </a:extLst>
+            </p:cNvPr>
+            <p:cNvCxnSpPr/>
+            <p:nvPr/>
+          </p:nvCxnSpPr>
+          <p:spPr>
+            <a:xfrm>
+              <a:off x="5884499" y="2466667"/>
+              <a:ext cx="0" cy="258097"/>
+            </a:xfrm>
+            <a:prstGeom prst="line">
+              <a:avLst/>
+            </a:prstGeom>
+            <a:ln w="15875">
+              <a:solidFill>
+                <a:schemeClr val="tx1"/>
+              </a:solidFill>
+            </a:ln>
+          </p:spPr>
+          <p:style>
+            <a:lnRef idx="1">
+              <a:schemeClr val="accent1"/>
+            </a:lnRef>
+            <a:fillRef idx="0">
+              <a:schemeClr val="accent1"/>
+            </a:fillRef>
+            <a:effectRef idx="0">
+              <a:schemeClr val="accent1"/>
+            </a:effectRef>
+            <a:fontRef idx="minor">
+              <a:schemeClr val="tx1"/>
+            </a:fontRef>
+          </p:style>
+        </p:cxnSp>
+        <p:cxnSp>
+          <p:nvCxnSpPr>
+            <p:cNvPr id="110" name="Straight Connector 109">
+              <a:extLst>
+                <a:ext uri="{FF2B5EF4-FFF2-40B4-BE49-F238E27FC236}">
+                  <a16:creationId xmlns:a16="http://schemas.microsoft.com/office/drawing/2014/main" id="{35F8AF9C-86FC-4254-B6A5-5C50E6849BA6}"/>
+                </a:ext>
+              </a:extLst>
+            </p:cNvPr>
+            <p:cNvCxnSpPr/>
+            <p:nvPr/>
+          </p:nvCxnSpPr>
+          <p:spPr>
+            <a:xfrm>
+              <a:off x="6301132" y="2466667"/>
+              <a:ext cx="0" cy="258097"/>
+            </a:xfrm>
+            <a:prstGeom prst="line">
+              <a:avLst/>
+            </a:prstGeom>
+            <a:ln w="15875">
+              <a:solidFill>
+                <a:schemeClr val="tx1"/>
+              </a:solidFill>
+            </a:ln>
+          </p:spPr>
+          <p:style>
+            <a:lnRef idx="1">
+              <a:schemeClr val="accent1"/>
+            </a:lnRef>
+            <a:fillRef idx="0">
+              <a:schemeClr val="accent1"/>
+            </a:fillRef>
+            <a:effectRef idx="0">
+              <a:schemeClr val="accent1"/>
+            </a:effectRef>
+            <a:fontRef idx="minor">
+              <a:schemeClr val="tx1"/>
+            </a:fontRef>
+          </p:style>
+        </p:cxnSp>
+        <p:cxnSp>
+          <p:nvCxnSpPr>
+            <p:cNvPr id="111" name="Straight Connector 110">
+              <a:extLst>
+                <a:ext uri="{FF2B5EF4-FFF2-40B4-BE49-F238E27FC236}">
+                  <a16:creationId xmlns:a16="http://schemas.microsoft.com/office/drawing/2014/main" id="{6FD53DB2-F8F6-4355-8BDE-D019908AC67A}"/>
+                </a:ext>
+              </a:extLst>
+            </p:cNvPr>
+            <p:cNvCxnSpPr/>
+            <p:nvPr/>
+          </p:nvCxnSpPr>
+          <p:spPr>
+            <a:xfrm>
+              <a:off x="6717765" y="2466667"/>
+              <a:ext cx="0" cy="258097"/>
+            </a:xfrm>
+            <a:prstGeom prst="line">
+              <a:avLst/>
+            </a:prstGeom>
+            <a:ln w="15875">
+              <a:solidFill>
+                <a:schemeClr val="tx1"/>
+              </a:solidFill>
+            </a:ln>
+          </p:spPr>
+          <p:style>
+            <a:lnRef idx="1">
+              <a:schemeClr val="accent1"/>
+            </a:lnRef>
+            <a:fillRef idx="0">
+              <a:schemeClr val="accent1"/>
+            </a:fillRef>
+            <a:effectRef idx="0">
+              <a:schemeClr val="accent1"/>
+            </a:effectRef>
+            <a:fontRef idx="minor">
+              <a:schemeClr val="tx1"/>
+            </a:fontRef>
+          </p:style>
+        </p:cxnSp>
+        <p:cxnSp>
+          <p:nvCxnSpPr>
+            <p:cNvPr id="112" name="Straight Connector 111">
+              <a:extLst>
+                <a:ext uri="{FF2B5EF4-FFF2-40B4-BE49-F238E27FC236}">
+                  <a16:creationId xmlns:a16="http://schemas.microsoft.com/office/drawing/2014/main" id="{E90D1B75-B7C9-47DB-966A-8E5B71379E74}"/>
+                </a:ext>
+              </a:extLst>
+            </p:cNvPr>
+            <p:cNvCxnSpPr/>
+            <p:nvPr/>
+          </p:nvCxnSpPr>
+          <p:spPr>
+            <a:xfrm>
+              <a:off x="7134398" y="2466667"/>
+              <a:ext cx="0" cy="258097"/>
+            </a:xfrm>
+            <a:prstGeom prst="line">
+              <a:avLst/>
+            </a:prstGeom>
+            <a:ln w="15875">
+              <a:solidFill>
+                <a:schemeClr val="tx1"/>
+              </a:solidFill>
+            </a:ln>
+          </p:spPr>
+          <p:style>
+            <a:lnRef idx="1">
+              <a:schemeClr val="accent1"/>
+            </a:lnRef>
+            <a:fillRef idx="0">
+              <a:schemeClr val="accent1"/>
+            </a:fillRef>
+            <a:effectRef idx="0">
+              <a:schemeClr val="accent1"/>
+            </a:effectRef>
+            <a:fontRef idx="minor">
+              <a:schemeClr val="tx1"/>
+            </a:fontRef>
+          </p:style>
+        </p:cxnSp>
+        <p:cxnSp>
+          <p:nvCxnSpPr>
+            <p:cNvPr id="113" name="Straight Connector 112">
+              <a:extLst>
+                <a:ext uri="{FF2B5EF4-FFF2-40B4-BE49-F238E27FC236}">
+                  <a16:creationId xmlns:a16="http://schemas.microsoft.com/office/drawing/2014/main" id="{3A8E3BF7-7097-4999-A363-94E865BF4145}"/>
+                </a:ext>
+              </a:extLst>
+            </p:cNvPr>
+            <p:cNvCxnSpPr/>
+            <p:nvPr/>
+          </p:nvCxnSpPr>
+          <p:spPr>
+            <a:xfrm>
+              <a:off x="7551031" y="2466667"/>
+              <a:ext cx="0" cy="258097"/>
+            </a:xfrm>
+            <a:prstGeom prst="line">
+              <a:avLst/>
+            </a:prstGeom>
+            <a:ln w="15875">
+              <a:solidFill>
+                <a:schemeClr val="tx1"/>
+              </a:solidFill>
+            </a:ln>
+          </p:spPr>
+          <p:style>
+            <a:lnRef idx="1">
+              <a:schemeClr val="accent1"/>
+            </a:lnRef>
+            <a:fillRef idx="0">
+              <a:schemeClr val="accent1"/>
+            </a:fillRef>
+            <a:effectRef idx="0">
+              <a:schemeClr val="accent1"/>
+            </a:effectRef>
+            <a:fontRef idx="minor">
+              <a:schemeClr val="tx1"/>
+            </a:fontRef>
+          </p:style>
+        </p:cxnSp>
+        <p:cxnSp>
+          <p:nvCxnSpPr>
+            <p:cNvPr id="114" name="Straight Connector 113">
+              <a:extLst>
+                <a:ext uri="{FF2B5EF4-FFF2-40B4-BE49-F238E27FC236}">
+                  <a16:creationId xmlns:a16="http://schemas.microsoft.com/office/drawing/2014/main" id="{3DE72B02-99B0-4A73-A824-E2159177CCD1}"/>
+                </a:ext>
+              </a:extLst>
+            </p:cNvPr>
+            <p:cNvCxnSpPr/>
+            <p:nvPr/>
+          </p:nvCxnSpPr>
+          <p:spPr>
+            <a:xfrm>
+              <a:off x="7967664" y="2466667"/>
+              <a:ext cx="0" cy="258097"/>
+            </a:xfrm>
+            <a:prstGeom prst="line">
+              <a:avLst/>
+            </a:prstGeom>
+            <a:ln w="15875">
+              <a:solidFill>
+                <a:schemeClr val="tx1"/>
+              </a:solidFill>
+            </a:ln>
+          </p:spPr>
+          <p:style>
+            <a:lnRef idx="1">
+              <a:schemeClr val="accent1"/>
+            </a:lnRef>
+            <a:fillRef idx="0">
+              <a:schemeClr val="accent1"/>
+            </a:fillRef>
+            <a:effectRef idx="0">
+              <a:schemeClr val="accent1"/>
+            </a:effectRef>
+            <a:fontRef idx="minor">
+              <a:schemeClr val="tx1"/>
+            </a:fontRef>
+          </p:style>
+        </p:cxnSp>
+        <p:cxnSp>
+          <p:nvCxnSpPr>
+            <p:cNvPr id="115" name="Straight Connector 114">
+              <a:extLst>
+                <a:ext uri="{FF2B5EF4-FFF2-40B4-BE49-F238E27FC236}">
+                  <a16:creationId xmlns:a16="http://schemas.microsoft.com/office/drawing/2014/main" id="{0DD5F1AF-CEE2-4693-B51D-FFA19CE8EFDA}"/>
+                </a:ext>
+              </a:extLst>
+            </p:cNvPr>
+            <p:cNvCxnSpPr/>
+            <p:nvPr/>
+          </p:nvCxnSpPr>
+          <p:spPr>
+            <a:xfrm>
+              <a:off x="8384297" y="2466667"/>
+              <a:ext cx="0" cy="258097"/>
+            </a:xfrm>
+            <a:prstGeom prst="line">
+              <a:avLst/>
+            </a:prstGeom>
+            <a:ln w="15875">
+              <a:solidFill>
+                <a:schemeClr val="tx1"/>
+              </a:solidFill>
+            </a:ln>
+          </p:spPr>
+          <p:style>
+            <a:lnRef idx="1">
+              <a:schemeClr val="accent1"/>
+            </a:lnRef>
+            <a:fillRef idx="0">
+              <a:schemeClr val="accent1"/>
+            </a:fillRef>
+            <a:effectRef idx="0">
+              <a:schemeClr val="accent1"/>
+            </a:effectRef>
+            <a:fontRef idx="minor">
+              <a:schemeClr val="tx1"/>
+            </a:fontRef>
+          </p:style>
+        </p:cxnSp>
+        <p:cxnSp>
+          <p:nvCxnSpPr>
+            <p:cNvPr id="116" name="Straight Connector 115">
+              <a:extLst>
+                <a:ext uri="{FF2B5EF4-FFF2-40B4-BE49-F238E27FC236}">
+                  <a16:creationId xmlns:a16="http://schemas.microsoft.com/office/drawing/2014/main" id="{266E1F14-8E09-4ECF-8DDB-177AB3CBCD2D}"/>
+                </a:ext>
+              </a:extLst>
+            </p:cNvPr>
+            <p:cNvCxnSpPr/>
+            <p:nvPr/>
+          </p:nvCxnSpPr>
+          <p:spPr>
+            <a:xfrm>
+              <a:off x="8800930" y="2466667"/>
+              <a:ext cx="0" cy="258097"/>
+            </a:xfrm>
+            <a:prstGeom prst="line">
+              <a:avLst/>
+            </a:prstGeom>
+            <a:ln w="15875">
+              <a:solidFill>
+                <a:schemeClr val="tx1"/>
+              </a:solidFill>
+            </a:ln>
+          </p:spPr>
+          <p:style>
+            <a:lnRef idx="1">
+              <a:schemeClr val="accent1"/>
+            </a:lnRef>
+            <a:fillRef idx="0">
+              <a:schemeClr val="accent1"/>
+            </a:fillRef>
+            <a:effectRef idx="0">
+              <a:schemeClr val="accent1"/>
+            </a:effectRef>
+            <a:fontRef idx="minor">
+              <a:schemeClr val="tx1"/>
+            </a:fontRef>
+          </p:style>
+        </p:cxnSp>
+        <p:cxnSp>
+          <p:nvCxnSpPr>
+            <p:cNvPr id="117" name="Straight Connector 116">
+              <a:extLst>
+                <a:ext uri="{FF2B5EF4-FFF2-40B4-BE49-F238E27FC236}">
+                  <a16:creationId xmlns:a16="http://schemas.microsoft.com/office/drawing/2014/main" id="{6318A0BC-1B2D-420C-A0D2-38B2E01D6A8B}"/>
+                </a:ext>
+              </a:extLst>
+            </p:cNvPr>
+            <p:cNvCxnSpPr/>
+            <p:nvPr/>
+          </p:nvCxnSpPr>
+          <p:spPr>
+            <a:xfrm>
+              <a:off x="9217563" y="2466667"/>
+              <a:ext cx="0" cy="258097"/>
+            </a:xfrm>
+            <a:prstGeom prst="line">
+              <a:avLst/>
+            </a:prstGeom>
+            <a:ln w="15875">
+              <a:solidFill>
+                <a:schemeClr val="tx1"/>
+              </a:solidFill>
+            </a:ln>
+          </p:spPr>
+          <p:style>
+            <a:lnRef idx="1">
+              <a:schemeClr val="accent1"/>
+            </a:lnRef>
+            <a:fillRef idx="0">
+              <a:schemeClr val="accent1"/>
+            </a:fillRef>
+            <a:effectRef idx="0">
+              <a:schemeClr val="accent1"/>
+            </a:effectRef>
+            <a:fontRef idx="minor">
+              <a:schemeClr val="tx1"/>
+            </a:fontRef>
+          </p:style>
+        </p:cxnSp>
+        <p:cxnSp>
+          <p:nvCxnSpPr>
+            <p:cNvPr id="118" name="Straight Connector 117">
+              <a:extLst>
+                <a:ext uri="{FF2B5EF4-FFF2-40B4-BE49-F238E27FC236}">
+                  <a16:creationId xmlns:a16="http://schemas.microsoft.com/office/drawing/2014/main" id="{2D83D3C1-0236-4E68-8730-EAA341FCAE53}"/>
+                </a:ext>
+              </a:extLst>
+            </p:cNvPr>
+            <p:cNvCxnSpPr/>
+            <p:nvPr/>
+          </p:nvCxnSpPr>
+          <p:spPr>
+            <a:xfrm>
+              <a:off x="9634196" y="2466667"/>
+              <a:ext cx="0" cy="258097"/>
+            </a:xfrm>
+            <a:prstGeom prst="line">
+              <a:avLst/>
+            </a:prstGeom>
+            <a:ln w="15875">
+              <a:solidFill>
+                <a:schemeClr val="tx1"/>
+              </a:solidFill>
+            </a:ln>
+          </p:spPr>
+          <p:style>
+            <a:lnRef idx="1">
+              <a:schemeClr val="accent1"/>
+            </a:lnRef>
+            <a:fillRef idx="0">
+              <a:schemeClr val="accent1"/>
+            </a:fillRef>
+            <a:effectRef idx="0">
+              <a:schemeClr val="accent1"/>
+            </a:effectRef>
+            <a:fontRef idx="minor">
+              <a:schemeClr val="tx1"/>
+            </a:fontRef>
+          </p:style>
+        </p:cxnSp>
+        <p:cxnSp>
+          <p:nvCxnSpPr>
+            <p:cNvPr id="119" name="Straight Connector 118">
+              <a:extLst>
+                <a:ext uri="{FF2B5EF4-FFF2-40B4-BE49-F238E27FC236}">
+                  <a16:creationId xmlns:a16="http://schemas.microsoft.com/office/drawing/2014/main" id="{B0589087-8409-4653-B948-AEDBCED5D005}"/>
+                </a:ext>
+              </a:extLst>
+            </p:cNvPr>
+            <p:cNvCxnSpPr/>
+            <p:nvPr/>
+          </p:nvCxnSpPr>
+          <p:spPr>
+            <a:xfrm>
+              <a:off x="10050834" y="2466667"/>
+              <a:ext cx="0" cy="258097"/>
+            </a:xfrm>
+            <a:prstGeom prst="line">
+              <a:avLst/>
+            </a:prstGeom>
+            <a:ln w="15875">
+              <a:solidFill>
+                <a:schemeClr val="tx1"/>
+              </a:solidFill>
+            </a:ln>
+          </p:spPr>
+          <p:style>
+            <a:lnRef idx="1">
+              <a:schemeClr val="accent1"/>
+            </a:lnRef>
+            <a:fillRef idx="0">
+              <a:schemeClr val="accent1"/>
+            </a:fillRef>
+            <a:effectRef idx="0">
+              <a:schemeClr val="accent1"/>
+            </a:effectRef>
+            <a:fontRef idx="minor">
+              <a:schemeClr val="tx1"/>
+            </a:fontRef>
+          </p:style>
+        </p:cxnSp>
+      </p:grpSp>
+      <p:sp>
+        <p:nvSpPr>
+          <p:cNvPr id="120" name="TextBox 119">
+            <a:extLst>
+              <a:ext uri="{FF2B5EF4-FFF2-40B4-BE49-F238E27FC236}">
+                <a16:creationId xmlns:a16="http://schemas.microsoft.com/office/drawing/2014/main" id="{EEFA11E6-0C88-4498-BFA8-07DBE9C920C2}"/>
+              </a:ext>
+            </a:extLst>
+          </p:cNvPr>
+          <p:cNvSpPr txBox="1"/>
+          <p:nvPr/>
+        </p:nvSpPr>
+        <p:spPr>
+          <a:xfrm>
+            <a:off x="3374513" y="4390379"/>
+            <a:ext cx="4113582" cy="369332"/>
+          </a:xfrm>
+          <a:prstGeom prst="rect">
+            <a:avLst/>
+          </a:prstGeom>
+          <a:noFill/>
+        </p:spPr>
+        <p:txBody>
+          <a:bodyPr wrap="square" rtlCol="0">
+            <a:spAutoFit/>
+          </a:bodyPr>
+          <a:lstStyle/>
           <a:p>
             <a:r>
               <a:rPr lang="en-US" dirty="0"/>
-              <a:t>Windows and MacOS implementations in single C and Julia </a:t>
-            </a:r>
-            <a:r>
-              <a:rPr lang="en-US"/>
-              <a:t>code bases</a:t>
-            </a:r>
-            <a:endParaRPr lang="en-US" dirty="0"/>
+              <a:t>Local Time – America/New York</a:t>
+            </a:r>
+          </a:p>
+        </p:txBody>
+      </p:sp>
+      <p:sp>
+        <p:nvSpPr>
+          <p:cNvPr id="121" name="TextBox 120">
+            <a:extLst>
+              <a:ext uri="{FF2B5EF4-FFF2-40B4-BE49-F238E27FC236}">
+                <a16:creationId xmlns:a16="http://schemas.microsoft.com/office/drawing/2014/main" id="{8B50EAAF-6FEA-43B5-B6B8-273878144F8B}"/>
+              </a:ext>
+            </a:extLst>
+          </p:cNvPr>
+          <p:cNvSpPr txBox="1"/>
+          <p:nvPr/>
+        </p:nvSpPr>
+        <p:spPr>
+          <a:xfrm rot="341450">
+            <a:off x="649065" y="5281756"/>
+            <a:ext cx="3755154" cy="246221"/>
+          </a:xfrm>
+          <a:prstGeom prst="rect">
+            <a:avLst/>
+          </a:prstGeom>
+          <a:noFill/>
+        </p:spPr>
+        <p:txBody>
+          <a:bodyPr wrap="square" rtlCol="0">
+            <a:spAutoFit/>
+          </a:bodyPr>
+          <a:lstStyle/>
+          <a:p>
+            <a:r>
+              <a:rPr lang="en-US" sz="1000" dirty="0"/>
+              <a:t>25-Dec-13,826,151,189 BCE 7:00:00.000000000 000000000</a:t>
+            </a:r>
+          </a:p>
+        </p:txBody>
+      </p:sp>
+      <p:sp>
+        <p:nvSpPr>
+          <p:cNvPr id="122" name="TextBox 121">
+            <a:extLst>
+              <a:ext uri="{FF2B5EF4-FFF2-40B4-BE49-F238E27FC236}">
+                <a16:creationId xmlns:a16="http://schemas.microsoft.com/office/drawing/2014/main" id="{A525A901-FAAA-43A7-9D6F-03424969A7A5}"/>
+              </a:ext>
+            </a:extLst>
+          </p:cNvPr>
+          <p:cNvSpPr txBox="1"/>
+          <p:nvPr/>
+        </p:nvSpPr>
+        <p:spPr>
+          <a:xfrm rot="341450">
+            <a:off x="4773537" y="5353385"/>
+            <a:ext cx="3755154" cy="246221"/>
+          </a:xfrm>
+          <a:prstGeom prst="rect">
+            <a:avLst/>
+          </a:prstGeom>
+          <a:noFill/>
+        </p:spPr>
+        <p:txBody>
+          <a:bodyPr wrap="square" rtlCol="0">
+            <a:spAutoFit/>
+          </a:bodyPr>
+          <a:lstStyle/>
+          <a:p>
+            <a:r>
+              <a:rPr lang="en-US" sz="1000" dirty="0"/>
+              <a:t>12-Dec-1971 19:00:00.000000000 000000000</a:t>
+            </a:r>
+          </a:p>
+        </p:txBody>
+      </p:sp>
+      <p:sp>
+        <p:nvSpPr>
+          <p:cNvPr id="123" name="TextBox 122">
+            <a:extLst>
+              <a:ext uri="{FF2B5EF4-FFF2-40B4-BE49-F238E27FC236}">
+                <a16:creationId xmlns:a16="http://schemas.microsoft.com/office/drawing/2014/main" id="{83EFCC4F-71BD-4B5B-8CD8-F0EC0D1B3FD7}"/>
+              </a:ext>
+            </a:extLst>
+          </p:cNvPr>
+          <p:cNvSpPr txBox="1"/>
+          <p:nvPr/>
+        </p:nvSpPr>
+        <p:spPr>
+          <a:xfrm rot="341450">
+            <a:off x="6404633" y="5300693"/>
+            <a:ext cx="3755154" cy="246221"/>
+          </a:xfrm>
+          <a:prstGeom prst="rect">
+            <a:avLst/>
+          </a:prstGeom>
+          <a:noFill/>
+        </p:spPr>
+        <p:txBody>
+          <a:bodyPr wrap="square" rtlCol="0">
+            <a:spAutoFit/>
+          </a:bodyPr>
+          <a:lstStyle/>
+          <a:p>
+            <a:r>
+              <a:rPr lang="en-US" sz="1000" dirty="0"/>
+              <a:t>23-Jul-2019 11:45:00.000000000 000000000</a:t>
+            </a:r>
+          </a:p>
+        </p:txBody>
+      </p:sp>
+      <p:sp>
+        <p:nvSpPr>
+          <p:cNvPr id="124" name="TextBox 123">
+            <a:extLst>
+              <a:ext uri="{FF2B5EF4-FFF2-40B4-BE49-F238E27FC236}">
+                <a16:creationId xmlns:a16="http://schemas.microsoft.com/office/drawing/2014/main" id="{C08BD66B-A6BC-4AA0-8424-0D4596712A23}"/>
+              </a:ext>
+            </a:extLst>
+          </p:cNvPr>
+          <p:cNvSpPr txBox="1"/>
+          <p:nvPr/>
+        </p:nvSpPr>
+        <p:spPr>
+          <a:xfrm>
+            <a:off x="3490655" y="2151232"/>
+            <a:ext cx="418212" cy="369332"/>
+          </a:xfrm>
+          <a:prstGeom prst="rect">
+            <a:avLst/>
+          </a:prstGeom>
+          <a:noFill/>
+        </p:spPr>
+        <p:txBody>
+          <a:bodyPr wrap="square" rtlCol="0">
+            <a:spAutoFit/>
+          </a:bodyPr>
+          <a:lstStyle/>
+          <a:p>
+            <a:r>
+              <a:rPr lang="en-US" dirty="0"/>
+              <a:t>…</a:t>
+            </a:r>
+          </a:p>
+        </p:txBody>
+      </p:sp>
+      <p:sp>
+        <p:nvSpPr>
+          <p:cNvPr id="125" name="TextBox 124">
+            <a:extLst>
+              <a:ext uri="{FF2B5EF4-FFF2-40B4-BE49-F238E27FC236}">
+                <a16:creationId xmlns:a16="http://schemas.microsoft.com/office/drawing/2014/main" id="{ADD4372F-BB33-47BA-AD81-077B8A97C0A4}"/>
+              </a:ext>
+            </a:extLst>
+          </p:cNvPr>
+          <p:cNvSpPr txBox="1"/>
+          <p:nvPr/>
+        </p:nvSpPr>
+        <p:spPr>
+          <a:xfrm>
+            <a:off x="4273250" y="3534431"/>
+            <a:ext cx="418212" cy="369332"/>
+          </a:xfrm>
+          <a:prstGeom prst="rect">
+            <a:avLst/>
+          </a:prstGeom>
+          <a:noFill/>
+        </p:spPr>
+        <p:txBody>
+          <a:bodyPr wrap="square" rtlCol="0">
+            <a:spAutoFit/>
+          </a:bodyPr>
+          <a:lstStyle/>
+          <a:p>
+            <a:r>
+              <a:rPr lang="en-US" dirty="0"/>
+              <a:t>…</a:t>
+            </a:r>
+          </a:p>
+        </p:txBody>
+      </p:sp>
+      <p:sp>
+        <p:nvSpPr>
+          <p:cNvPr id="126" name="TextBox 125">
+            <a:extLst>
+              <a:ext uri="{FF2B5EF4-FFF2-40B4-BE49-F238E27FC236}">
+                <a16:creationId xmlns:a16="http://schemas.microsoft.com/office/drawing/2014/main" id="{D0EB9F3F-C8E1-4AC1-B4F9-F9D08C2D454F}"/>
+              </a:ext>
+            </a:extLst>
+          </p:cNvPr>
+          <p:cNvSpPr txBox="1"/>
+          <p:nvPr/>
+        </p:nvSpPr>
+        <p:spPr>
+          <a:xfrm>
+            <a:off x="4306612" y="5054471"/>
+            <a:ext cx="418212" cy="369332"/>
+          </a:xfrm>
+          <a:prstGeom prst="rect">
+            <a:avLst/>
+          </a:prstGeom>
+          <a:noFill/>
+        </p:spPr>
+        <p:txBody>
+          <a:bodyPr wrap="square" rtlCol="0">
+            <a:spAutoFit/>
+          </a:bodyPr>
+          <a:lstStyle/>
+          <a:p>
+            <a:r>
+              <a:rPr lang="en-US" dirty="0"/>
+              <a:t>…</a:t>
+            </a:r>
           </a:p>
         </p:txBody>
       </p:sp>
     </p:spTree>
     <p:extLst>
       <p:ext uri="{BB962C8B-B14F-4D97-AF65-F5344CB8AC3E}">
-        <p14:creationId xmlns:p14="http://schemas.microsoft.com/office/powerpoint/2010/main" val="3846205991"/>
+        <p14:creationId xmlns:p14="http://schemas.microsoft.com/office/powerpoint/2010/main" val="3281689817"/>
       </p:ext>
     </p:extLst>
   </p:cSld>
@@ -6713,7 +10480,7 @@
           <p:cNvPr id="2" name="Title 1">
             <a:extLst>
               <a:ext uri="{FF2B5EF4-FFF2-40B4-BE49-F238E27FC236}">
-                <a16:creationId xmlns:a16="http://schemas.microsoft.com/office/drawing/2014/main" id="{BB88AE33-A0D3-421A-B377-5514ACA5C600}"/>
+                <a16:creationId xmlns:a16="http://schemas.microsoft.com/office/drawing/2014/main" id="{6380414C-3876-4939-A8D4-88169A4EF0C4}"/>
               </a:ext>
             </a:extLst>
           </p:cNvPr>
@@ -6731,7 +10498,7 @@
           <a:p>
             <a:r>
               <a:rPr lang="en-US" dirty="0"/>
-              <a:t>Interesting Julia Implementation Details</a:t>
+              <a:t>Interesting C Implementation Details</a:t>
             </a:r>
           </a:p>
         </p:txBody>
@@ -6741,7 +10508,7 @@
           <p:cNvPr id="3" name="Content Placeholder 2">
             <a:extLst>
               <a:ext uri="{FF2B5EF4-FFF2-40B4-BE49-F238E27FC236}">
-                <a16:creationId xmlns:a16="http://schemas.microsoft.com/office/drawing/2014/main" id="{93D7F87E-786E-4C52-BDCC-1AD5B0886352}"/>
+                <a16:creationId xmlns:a16="http://schemas.microsoft.com/office/drawing/2014/main" id="{33F5AFA5-3D7E-4B01-9567-993A7FFF1905}"/>
               </a:ext>
             </a:extLst>
           </p:cNvPr>
@@ -6754,79 +10521,77 @@
         </p:nvSpPr>
         <p:spPr/>
         <p:txBody>
-          <a:bodyPr/>
+          <a:bodyPr>
+            <a:normAutofit fontScale="92500" lnSpcReduction="20000"/>
+          </a:bodyPr>
           <a:lstStyle/>
           <a:p>
-            <a:pPr lvl="1"/>
+            <a:r>
+              <a:rPr lang="en-US" dirty="0"/>
+              <a:t>Lowest level type is a 128-bit modified “tick” datatype.  Absolute type is unsigned, relative type is signed.</a:t>
+            </a:r>
+          </a:p>
+          <a:p>
+            <a:r>
+              <a:rPr lang="en-US" dirty="0"/>
+              <a:t>Second level type is </a:t>
+            </a:r>
             <a:r>
               <a:rPr lang="en-US" dirty="0" err="1"/>
-              <a:t>Ccall</a:t>
+              <a:t>UTCDatetime</a:t>
             </a:r>
             <a:r>
               <a:rPr lang="en-US" dirty="0"/>
-              <a:t> functionality is easy to use and quite robust</a:t>
-            </a:r>
-          </a:p>
-          <a:p>
-            <a:pPr lvl="1"/>
+              <a:t> (Coordinated Universal Time)</a:t>
+            </a:r>
+          </a:p>
+          <a:p>
             <a:r>
               <a:rPr lang="en-US" dirty="0"/>
-              <a:t>Uses extended Unicode binary operators and superscript formatting</a:t>
-            </a:r>
-          </a:p>
-          <a:p>
-            <a:pPr lvl="1"/>
+              <a:t>Highest level type is </a:t>
+            </a:r>
+            <a:r>
+              <a:rPr lang="en-US" dirty="0" err="1"/>
+              <a:t>LocalDatetime</a:t>
+            </a:r>
+            <a:endParaRPr lang="en-US" dirty="0"/>
+          </a:p>
+          <a:p>
             <a:r>
               <a:rPr lang="en-US" dirty="0"/>
-              <a:t>Extensive use of default arguments to simplify construction – multiple C constructors encapsulated in a single Julia constructor</a:t>
-            </a:r>
-          </a:p>
-          <a:p>
-            <a:pPr lvl="1"/>
+              <a:t>Robust UncertainFloat64 datatype, including precision and uncertainty with arithmetic and comparison operators provided</a:t>
+            </a:r>
+          </a:p>
+          <a:p>
             <a:r>
               <a:rPr lang="en-US" dirty="0"/>
-              <a:t>Nullable types used to smoothly handle construction errors identified in C functions</a:t>
-            </a:r>
-          </a:p>
-          <a:p>
-            <a:pPr lvl="1"/>
+              <a:t>Currently implemented as two Julia modules</a:t>
+            </a:r>
+          </a:p>
+          <a:p>
             <a:r>
               <a:rPr lang="en-US" dirty="0"/>
-              <a:t>Conversion and promotion used to simplify mixed numeric operations</a:t>
-            </a:r>
-          </a:p>
-          <a:p>
-            <a:pPr lvl="1"/>
+              <a:t>Julia used to preprocess IANA data files, instead of the C implementation provided with the data files</a:t>
+            </a:r>
+          </a:p>
+          <a:p>
             <a:r>
               <a:rPr lang="en-US" dirty="0"/>
-              <a:t>Show functions overloaded to automate formatting</a:t>
-            </a:r>
-          </a:p>
-          <a:p>
-            <a:pPr lvl="1"/>
+              <a:t>IANA disk-based time zone files replaced by in-memory structs, initialized upon loading, eliminating the need for any files beyond the shared libraries</a:t>
+            </a:r>
+          </a:p>
+          <a:p>
             <a:r>
               <a:rPr lang="en-US" dirty="0"/>
-              <a:t>Most C code tests implemented using Julia test facility</a:t>
-            </a:r>
-          </a:p>
-          <a:p>
-            <a:pPr lvl="1"/>
-            <a:r>
-              <a:rPr lang="en-US" dirty="0"/>
-              <a:t>Implemented in v0.6, then upgraded using v0.7 to </a:t>
-            </a:r>
-            <a:r>
-              <a:rPr lang="en-US"/>
-              <a:t>ease upgrade to 1.0</a:t>
-            </a:r>
-            <a:endParaRPr lang="en-US" dirty="0"/>
+              <a:t>Windows and MacOS implementations in single C and Julia code bases</a:t>
+            </a:r>
           </a:p>
         </p:txBody>
       </p:sp>
     </p:spTree>
     <p:extLst>
       <p:ext uri="{BB962C8B-B14F-4D97-AF65-F5344CB8AC3E}">
-        <p14:creationId xmlns:p14="http://schemas.microsoft.com/office/powerpoint/2010/main" val="2337365335"/>
+        <p14:creationId xmlns:p14="http://schemas.microsoft.com/office/powerpoint/2010/main" val="3846205991"/>
       </p:ext>
     </p:extLst>
   </p:cSld>
@@ -6858,7 +10623,7 @@
           <p:cNvPr id="2" name="Title 1">
             <a:extLst>
               <a:ext uri="{FF2B5EF4-FFF2-40B4-BE49-F238E27FC236}">
-                <a16:creationId xmlns:a16="http://schemas.microsoft.com/office/drawing/2014/main" id="{B4BF8BC5-3269-43EB-A04F-2A12DACCF0C3}"/>
+                <a16:creationId xmlns:a16="http://schemas.microsoft.com/office/drawing/2014/main" id="{BB88AE33-A0D3-421A-B377-5514ACA5C600}"/>
               </a:ext>
             </a:extLst>
           </p:cNvPr>
@@ -6866,7 +10631,7 @@
             <a:spLocks noGrp="1"/>
           </p:cNvSpPr>
           <p:nvPr>
-            <p:ph type="ctrTitle"/>
+            <p:ph type="title"/>
           </p:nvPr>
         </p:nvSpPr>
         <p:spPr/>
@@ -6876,17 +10641,17 @@
           <a:p>
             <a:r>
               <a:rPr lang="en-US" dirty="0"/>
-              <a:t>Demonstration</a:t>
-            </a:r>
-          </a:p>
-        </p:txBody>
-      </p:sp>
-      <p:sp>
-        <p:nvSpPr>
-          <p:cNvPr id="3" name="Subtitle 2">
+              <a:t>Interesting Julia Implementation Details</a:t>
+            </a:r>
+          </a:p>
+        </p:txBody>
+      </p:sp>
+      <p:sp>
+        <p:nvSpPr>
+          <p:cNvPr id="3" name="Content Placeholder 2">
             <a:extLst>
               <a:ext uri="{FF2B5EF4-FFF2-40B4-BE49-F238E27FC236}">
-                <a16:creationId xmlns:a16="http://schemas.microsoft.com/office/drawing/2014/main" id="{F5381B63-1411-4AF1-8478-554E54C2F30E}"/>
+                <a16:creationId xmlns:a16="http://schemas.microsoft.com/office/drawing/2014/main" id="{93D7F87E-786E-4C52-BDCC-1AD5B0886352}"/>
               </a:ext>
             </a:extLst>
           </p:cNvPr>
@@ -6894,7 +10659,7 @@
             <a:spLocks noGrp="1"/>
           </p:cNvSpPr>
           <p:nvPr>
-            <p:ph type="subTitle" idx="1"/>
+            <p:ph idx="1"/>
           </p:nvPr>
         </p:nvSpPr>
         <p:spPr/>
@@ -6902,17 +10667,76 @@
           <a:bodyPr/>
           <a:lstStyle/>
           <a:p>
+            <a:pPr lvl="1"/>
+            <a:r>
+              <a:rPr lang="en-US" dirty="0" err="1"/>
+              <a:t>Ccall</a:t>
+            </a:r>
             <a:r>
               <a:rPr lang="en-US" dirty="0"/>
-              <a:t>Using Julia 1.0</a:t>
-            </a:r>
+              <a:t> functionality is easy to use and quite robust</a:t>
+            </a:r>
+          </a:p>
+          <a:p>
+            <a:pPr lvl="1"/>
+            <a:r>
+              <a:rPr lang="en-US" dirty="0"/>
+              <a:t>Uses extended Unicode binary operators and superscript formatting</a:t>
+            </a:r>
+          </a:p>
+          <a:p>
+            <a:pPr lvl="1"/>
+            <a:r>
+              <a:rPr lang="en-US" dirty="0"/>
+              <a:t>Extensive use of default arguments to simplify construction – multiple C constructors encapsulated in a single Julia constructor</a:t>
+            </a:r>
+          </a:p>
+          <a:p>
+            <a:pPr lvl="1"/>
+            <a:r>
+              <a:rPr lang="en-US" dirty="0"/>
+              <a:t>Nullable types used to smoothly handle construction errors identified in C functions</a:t>
+            </a:r>
+          </a:p>
+          <a:p>
+            <a:pPr lvl="1"/>
+            <a:r>
+              <a:rPr lang="en-US" dirty="0"/>
+              <a:t>Conversion and promotion used to simplify mixed numeric operations</a:t>
+            </a:r>
+          </a:p>
+          <a:p>
+            <a:pPr lvl="1"/>
+            <a:r>
+              <a:rPr lang="en-US" dirty="0"/>
+              <a:t>Show functions overloaded to automate formatting</a:t>
+            </a:r>
+          </a:p>
+          <a:p>
+            <a:pPr lvl="1"/>
+            <a:r>
+              <a:rPr lang="en-US" dirty="0"/>
+              <a:t>Most C code tests implemented using Julia test facility</a:t>
+            </a:r>
+          </a:p>
+          <a:p>
+            <a:pPr lvl="1"/>
+            <a:r>
+              <a:rPr lang="en-US" dirty="0"/>
+              <a:t>Implemented in v0.6, then upgraded using v0.7 to </a:t>
+            </a:r>
+            <a:r>
+              <a:rPr lang="en-US"/>
+              <a:t>ease upgrade to 1.0</a:t>
+            </a:r>
+            <a:endParaRPr lang="en-US" dirty="0"/>
           </a:p>
         </p:txBody>
       </p:sp>
     </p:spTree>
     <p:extLst>
       <p:ext uri="{BB962C8B-B14F-4D97-AF65-F5344CB8AC3E}">
-        <p14:creationId xmlns:p14="http://schemas.microsoft.com/office/powerpoint/2010/main" val="1211215651"/>
+        <p14:creationId xmlns:p14="http://schemas.microsoft.com/office/powerpoint/2010/main" val="2337365335"/>
       </p:ext>
     </p:extLst>
   </p:cSld>
@@ -6944,7 +10768,7 @@
           <p:cNvPr id="2" name="Title 1">
             <a:extLst>
               <a:ext uri="{FF2B5EF4-FFF2-40B4-BE49-F238E27FC236}">
-                <a16:creationId xmlns:a16="http://schemas.microsoft.com/office/drawing/2014/main" id="{8189D433-4F15-4749-93DD-946C0674B304}"/>
+                <a16:creationId xmlns:a16="http://schemas.microsoft.com/office/drawing/2014/main" id="{B4BF8BC5-3269-43EB-A04F-2A12DACCF0C3}"/>
               </a:ext>
             </a:extLst>
           </p:cNvPr>
@@ -6952,7 +10776,7 @@
             <a:spLocks noGrp="1"/>
           </p:cNvSpPr>
           <p:nvPr>
-            <p:ph type="title"/>
+            <p:ph type="ctrTitle"/>
           </p:nvPr>
         </p:nvSpPr>
         <p:spPr/>
@@ -6962,17 +10786,17 @@
           <a:p>
             <a:r>
               <a:rPr lang="en-US" dirty="0"/>
-              <a:t>Potential Future Directions</a:t>
-            </a:r>
-          </a:p>
-        </p:txBody>
-      </p:sp>
-      <p:sp>
-        <p:nvSpPr>
-          <p:cNvPr id="3" name="Content Placeholder 2">
+              <a:t>Demonstration</a:t>
+            </a:r>
+          </a:p>
+        </p:txBody>
+      </p:sp>
+      <p:sp>
+        <p:nvSpPr>
+          <p:cNvPr id="3" name="Subtitle 2">
             <a:extLst>
               <a:ext uri="{FF2B5EF4-FFF2-40B4-BE49-F238E27FC236}">
-                <a16:creationId xmlns:a16="http://schemas.microsoft.com/office/drawing/2014/main" id="{76732477-FD8F-4FA4-8296-9B435573F5BF}"/>
+                <a16:creationId xmlns:a16="http://schemas.microsoft.com/office/drawing/2014/main" id="{F5381B63-1411-4AF1-8478-554E54C2F30E}"/>
               </a:ext>
             </a:extLst>
           </p:cNvPr>
@@ -6980,7 +10804,7 @@
             <a:spLocks noGrp="1"/>
           </p:cNvSpPr>
           <p:nvPr>
-            <p:ph idx="1"/>
+            <p:ph type="subTitle" idx="1"/>
           </p:nvPr>
         </p:nvSpPr>
         <p:spPr/>
@@ -6990,48 +10814,15 @@
           <a:p>
             <a:r>
               <a:rPr lang="en-US" dirty="0"/>
-              <a:t>Additional datetime arithmetic – e.g., addition of calendar unit intervals to datetimes, e.g., years, months, days, hours, minutes, etc.</a:t>
-            </a:r>
-          </a:p>
-          <a:p>
-            <a:r>
-              <a:rPr lang="en-US" dirty="0"/>
-              <a:t>“Business” datetime arithmetic – e.g., holiday schedules, end of month conventions, leap-year conventions</a:t>
-            </a:r>
-          </a:p>
-          <a:p>
-            <a:r>
-              <a:rPr lang="en-US" dirty="0"/>
-              <a:t>Local datetime ranges in calendar units</a:t>
-            </a:r>
-          </a:p>
-          <a:p>
-            <a:r>
-              <a:rPr lang="en-US" dirty="0"/>
-              <a:t>Time series features and functions – smaller, faster, reduced functionality datatype, specialized arrays / collections</a:t>
-            </a:r>
-          </a:p>
-          <a:p>
-            <a:r>
-              <a:rPr lang="en-US" dirty="0"/>
-              <a:t>Geographical information</a:t>
-            </a:r>
-          </a:p>
-          <a:p>
-            <a:r>
-              <a:rPr lang="en-US" dirty="0"/>
-              <a:t>Pure Julia implementation</a:t>
-            </a:r>
-          </a:p>
-          <a:p>
-            <a:endParaRPr lang="en-US" dirty="0"/>
+              <a:t>Using Julia 1.0</a:t>
+            </a:r>
           </a:p>
         </p:txBody>
       </p:sp>
     </p:spTree>
     <p:extLst>
       <p:ext uri="{BB962C8B-B14F-4D97-AF65-F5344CB8AC3E}">
-        <p14:creationId xmlns:p14="http://schemas.microsoft.com/office/powerpoint/2010/main" val="2574812611"/>
+        <p14:creationId xmlns:p14="http://schemas.microsoft.com/office/powerpoint/2010/main" val="1211215651"/>
       </p:ext>
     </p:extLst>
   </p:cSld>
